--- a/GoogleOrToolsExamples/ConstraintOptimizationSudoku/Documents/ConstraintSolvingSudoku.pptx
+++ b/GoogleOrToolsExamples/ConstraintOptimizationSudoku/Documents/ConstraintSolvingSudoku.pptx
@@ -17,6 +17,9 @@
   </p:sldIdLst>
   <p:sldSz cx="12192000" cy="6858000"/>
   <p:notesSz cx="6858000" cy="9144000"/>
+  <p:custDataLst>
+    <p:tags r:id="rId12"/>
+  </p:custDataLst>
   <p:defaultTextStyle>
     <a:defPPr>
       <a:defRPr lang="en-US"/>
@@ -112,6 +115,11 @@
       </a:defRPr>
     </a:lvl9pPr>
   </p:defaultTextStyle>
+  <p:extLst>
+    <p:ext uri="{EFAFB233-063F-42B5-8137-9DF3F51BA10A}">
+      <p15:sldGuideLst xmlns:p15="http://schemas.microsoft.com/office/powerpoint/2012/main"/>
+    </p:ext>
+  </p:extLst>
 </p:presentation>
 </file>
 
@@ -197,7 +205,7 @@
           <a:p>
             <a:fld id="{EE4D0CD1-B967-4301-B1AF-FEFD6E2D6C0D}" type="datetimeFigureOut">
               <a:rPr lang="en-US" smtClean="0"/>
-              <a:t>31.07.2020</a:t>
+              <a:t>8/8/2020</a:t>
             </a:fld>
             <a:endParaRPr lang="en-US"/>
           </a:p>
@@ -823,7 +831,7 @@
           <a:p>
             <a:fld id="{B31FDE54-EA90-4369-BA08-2C5AF30C7FCB}" type="datetimeFigureOut">
               <a:rPr lang="en-US" smtClean="0"/>
-              <a:t>31.07.2020</a:t>
+              <a:t>8/8/2020</a:t>
             </a:fld>
             <a:endParaRPr lang="en-US"/>
           </a:p>
@@ -1021,7 +1029,7 @@
           <a:p>
             <a:fld id="{B31FDE54-EA90-4369-BA08-2C5AF30C7FCB}" type="datetimeFigureOut">
               <a:rPr lang="en-US" smtClean="0"/>
-              <a:t>31.07.2020</a:t>
+              <a:t>8/8/2020</a:t>
             </a:fld>
             <a:endParaRPr lang="en-US"/>
           </a:p>
@@ -1229,7 +1237,7 @@
           <a:p>
             <a:fld id="{B31FDE54-EA90-4369-BA08-2C5AF30C7FCB}" type="datetimeFigureOut">
               <a:rPr lang="en-US" smtClean="0"/>
-              <a:t>31.07.2020</a:t>
+              <a:t>8/8/2020</a:t>
             </a:fld>
             <a:endParaRPr lang="en-US"/>
           </a:p>
@@ -1427,7 +1435,7 @@
           <a:p>
             <a:fld id="{B31FDE54-EA90-4369-BA08-2C5AF30C7FCB}" type="datetimeFigureOut">
               <a:rPr lang="en-US" smtClean="0"/>
-              <a:t>31.07.2020</a:t>
+              <a:t>8/8/2020</a:t>
             </a:fld>
             <a:endParaRPr lang="en-US"/>
           </a:p>
@@ -1702,7 +1710,7 @@
           <a:p>
             <a:fld id="{B31FDE54-EA90-4369-BA08-2C5AF30C7FCB}" type="datetimeFigureOut">
               <a:rPr lang="en-US" smtClean="0"/>
-              <a:t>31.07.2020</a:t>
+              <a:t>8/8/2020</a:t>
             </a:fld>
             <a:endParaRPr lang="en-US"/>
           </a:p>
@@ -1967,7 +1975,7 @@
           <a:p>
             <a:fld id="{B31FDE54-EA90-4369-BA08-2C5AF30C7FCB}" type="datetimeFigureOut">
               <a:rPr lang="en-US" smtClean="0"/>
-              <a:t>31.07.2020</a:t>
+              <a:t>8/8/2020</a:t>
             </a:fld>
             <a:endParaRPr lang="en-US"/>
           </a:p>
@@ -2379,7 +2387,7 @@
           <a:p>
             <a:fld id="{B31FDE54-EA90-4369-BA08-2C5AF30C7FCB}" type="datetimeFigureOut">
               <a:rPr lang="en-US" smtClean="0"/>
-              <a:t>31.07.2020</a:t>
+              <a:t>8/8/2020</a:t>
             </a:fld>
             <a:endParaRPr lang="en-US"/>
           </a:p>
@@ -2520,7 +2528,7 @@
           <a:p>
             <a:fld id="{B31FDE54-EA90-4369-BA08-2C5AF30C7FCB}" type="datetimeFigureOut">
               <a:rPr lang="en-US" smtClean="0"/>
-              <a:t>31.07.2020</a:t>
+              <a:t>8/8/2020</a:t>
             </a:fld>
             <a:endParaRPr lang="en-US"/>
           </a:p>
@@ -2633,7 +2641,7 @@
           <a:p>
             <a:fld id="{B31FDE54-EA90-4369-BA08-2C5AF30C7FCB}" type="datetimeFigureOut">
               <a:rPr lang="en-US" smtClean="0"/>
-              <a:t>31.07.2020</a:t>
+              <a:t>8/8/2020</a:t>
             </a:fld>
             <a:endParaRPr lang="en-US"/>
           </a:p>
@@ -2944,7 +2952,7 @@
           <a:p>
             <a:fld id="{B31FDE54-EA90-4369-BA08-2C5AF30C7FCB}" type="datetimeFigureOut">
               <a:rPr lang="en-US" smtClean="0"/>
-              <a:t>31.07.2020</a:t>
+              <a:t>8/8/2020</a:t>
             </a:fld>
             <a:endParaRPr lang="en-US"/>
           </a:p>
@@ -3232,7 +3240,7 @@
           <a:p>
             <a:fld id="{B31FDE54-EA90-4369-BA08-2C5AF30C7FCB}" type="datetimeFigureOut">
               <a:rPr lang="en-US" smtClean="0"/>
-              <a:t>31.07.2020</a:t>
+              <a:t>8/8/2020</a:t>
             </a:fld>
             <a:endParaRPr lang="en-US"/>
           </a:p>
@@ -3473,7 +3481,7 @@
           <a:p>
             <a:fld id="{B31FDE54-EA90-4369-BA08-2C5AF30C7FCB}" type="datetimeFigureOut">
               <a:rPr lang="en-US" smtClean="0"/>
-              <a:t>31.07.2020</a:t>
+              <a:t>8/8/2020</a:t>
             </a:fld>
             <a:endParaRPr lang="en-US"/>
           </a:p>
@@ -3975,8 +3983,13 @@
             <a:pPr lvl="1"/>
             <a:r>
               <a:rPr lang="en-US" dirty="0"/>
-              <a:t>Different in regions</a:t>
-            </a:r>
+              <a:t>Different in </a:t>
+            </a:r>
+            <a:r>
+              <a:rPr lang="en-US" dirty="0" smtClean="0"/>
+              <a:t>box</a:t>
+            </a:r>
+            <a:endParaRPr lang="en-US" dirty="0"/>
           </a:p>
           <a:p>
             <a:endParaRPr lang="en-US" dirty="0"/>
@@ -4704,6 +4717,16 @@
     <a:masterClrMapping/>
   </p:clrMapOvr>
 </p:sld>
+</file>
+
+<file path=ppt/tags/tag1.xml><?xml version="1.0" encoding="utf-8"?>
+<p:tagLst xmlns:a="http://schemas.openxmlformats.org/drawingml/2006/main" xmlns:r="http://schemas.openxmlformats.org/officeDocument/2006/relationships" xmlns:p="http://schemas.openxmlformats.org/presentationml/2006/main">
+  <p:tag name="VARPPTCOMPATIBLERD03" val="RXP"/>
+  <p:tag name="VARPPTTYPE" val="RXP"/>
+  <p:tag name="VARPPTSLIDEFORMAT" val="RXP"/>
+  <p:tag name="VARPPTCOMPATIBLE4" val="RXP"/>
+  <p:tag name="VARSAVEMESSAGETIMESTAMP" val="RXP08.08.2020"/>
+</p:tagLst>
 </file>
 
 <file path=ppt/theme/theme1.xml><?xml version="1.0" encoding="utf-8"?>
@@ -5297,6 +5320,21 @@
 </file>
 
 <file path=customXml/item1.xml><?xml version="1.0" encoding="utf-8"?>
+<p:properties xmlns:p="http://schemas.microsoft.com/office/2006/metadata/properties" xmlns:xsi="http://www.w3.org/2001/XMLSchema-instance" xmlns:pc="http://schemas.microsoft.com/office/infopath/2007/PartnerControls">
+  <documentManagement/>
+</p:properties>
+</file>
+
+<file path=customXml/item2.xml><?xml version="1.0" encoding="utf-8"?>
+<?mso-contentType ?>
+<FormTemplates xmlns="http://schemas.microsoft.com/sharepoint/v3/contenttype/forms">
+  <Display>DocumentLibraryForm</Display>
+  <Edit>DocumentLibraryForm</Edit>
+  <New>DocumentLibraryForm</New>
+</FormTemplates>
+</file>
+
+<file path=customXml/item3.xml><?xml version="1.0" encoding="utf-8"?>
 <ct:contentTypeSchema xmlns:ct="http://schemas.microsoft.com/office/2006/metadata/contentType" xmlns:ma="http://schemas.microsoft.com/office/2006/metadata/properties/metaAttributes" ct:_="" ma:_="" ma:contentTypeName="Document" ma:contentTypeID="0x0101000F6FFB395036EA4FB27B90760180F374" ma:contentTypeVersion="5" ma:contentTypeDescription="Create a new document." ma:contentTypeScope="" ma:versionID="89adfb9efadbf748812d0fd82d255fdf">
   <xsd:schema xmlns:xsd="http://www.w3.org/2001/XMLSchema" xmlns:xs="http://www.w3.org/2001/XMLSchema" xmlns:p="http://schemas.microsoft.com/office/2006/metadata/properties" xmlns:ns3="426f9cb1-a1b3-4522-97ef-5888e8165ba9" xmlns:ns4="a4183c9b-620e-45ce-881a-bd39c0098272" targetNamespace="http://schemas.microsoft.com/office/2006/metadata/properties" ma:root="true" ma:fieldsID="39a46d376aab74118e796ae11b0810ee" ns3:_="" ns4:_="">
     <xsd:import namespace="426f9cb1-a1b3-4522-97ef-5888e8165ba9"/>
@@ -5467,22 +5505,32 @@
 </ct:contentTypeSchema>
 </file>
 
-<file path=customXml/item2.xml><?xml version="1.0" encoding="utf-8"?>
-<?mso-contentType ?>
-<FormTemplates xmlns="http://schemas.microsoft.com/sharepoint/v3/contenttype/forms">
-  <Display>DocumentLibraryForm</Display>
-  <Edit>DocumentLibraryForm</Edit>
-  <New>DocumentLibraryForm</New>
-</FormTemplates>
+<file path=customXml/itemProps1.xml><?xml version="1.0" encoding="utf-8"?>
+<ds:datastoreItem xmlns:ds="http://schemas.openxmlformats.org/officeDocument/2006/customXml" ds:itemID="{5B0BB613-487B-4F73-A790-3CC801D0D51E}">
+  <ds:schemaRefs>
+    <ds:schemaRef ds:uri="http://purl.org/dc/terms/"/>
+    <ds:schemaRef ds:uri="http://schemas.openxmlformats.org/package/2006/metadata/core-properties"/>
+    <ds:schemaRef ds:uri="http://schemas.microsoft.com/office/2006/documentManagement/types"/>
+    <ds:schemaRef ds:uri="http://schemas.microsoft.com/office/infopath/2007/PartnerControls"/>
+    <ds:schemaRef ds:uri="http://purl.org/dc/elements/1.1/"/>
+    <ds:schemaRef ds:uri="http://schemas.microsoft.com/office/2006/metadata/properties"/>
+    <ds:schemaRef ds:uri="a4183c9b-620e-45ce-881a-bd39c0098272"/>
+    <ds:schemaRef ds:uri="426f9cb1-a1b3-4522-97ef-5888e8165ba9"/>
+    <ds:schemaRef ds:uri="http://www.w3.org/XML/1998/namespace"/>
+    <ds:schemaRef ds:uri="http://purl.org/dc/dcmitype/"/>
+  </ds:schemaRefs>
+</ds:datastoreItem>
 </file>
 
-<file path=customXml/item3.xml><?xml version="1.0" encoding="utf-8"?>
-<p:properties xmlns:p="http://schemas.microsoft.com/office/2006/metadata/properties" xmlns:xsi="http://www.w3.org/2001/XMLSchema-instance" xmlns:pc="http://schemas.microsoft.com/office/infopath/2007/PartnerControls">
-  <documentManagement/>
-</p:properties>
+<file path=customXml/itemProps2.xml><?xml version="1.0" encoding="utf-8"?>
+<ds:datastoreItem xmlns:ds="http://schemas.openxmlformats.org/officeDocument/2006/customXml" ds:itemID="{CE79B26C-C003-47DB-A5E9-06E25B6F8D46}">
+  <ds:schemaRefs>
+    <ds:schemaRef ds:uri="http://schemas.microsoft.com/sharepoint/v3/contenttype/forms"/>
+  </ds:schemaRefs>
+</ds:datastoreItem>
 </file>
 
-<file path=customXml/itemProps1.xml><?xml version="1.0" encoding="utf-8"?>
+<file path=customXml/itemProps3.xml><?xml version="1.0" encoding="utf-8"?>
 <ds:datastoreItem xmlns:ds="http://schemas.openxmlformats.org/officeDocument/2006/customXml" ds:itemID="{6AD26351-69F1-4761-A1B6-AED5495DFDD9}">
   <ds:schemaRefs>
     <ds:schemaRef ds:uri="http://schemas.microsoft.com/office/2006/metadata/contentType"/>
@@ -5499,29 +5547,4 @@
     <ds:schemaRef ds:uri="http://schemas.microsoft.com/internal/obd"/>
   </ds:schemaRefs>
 </ds:datastoreItem>
-</file>
-
-<file path=customXml/itemProps2.xml><?xml version="1.0" encoding="utf-8"?>
-<ds:datastoreItem xmlns:ds="http://schemas.openxmlformats.org/officeDocument/2006/customXml" ds:itemID="{CE79B26C-C003-47DB-A5E9-06E25B6F8D46}">
-  <ds:schemaRefs>
-    <ds:schemaRef ds:uri="http://schemas.microsoft.com/sharepoint/v3/contenttype/forms"/>
-  </ds:schemaRefs>
-</ds:datastoreItem>
-</file>
-
-<file path=customXml/itemProps3.xml><?xml version="1.0" encoding="utf-8"?>
-<ds:datastoreItem xmlns:ds="http://schemas.openxmlformats.org/officeDocument/2006/customXml" ds:itemID="{5B0BB613-487B-4F73-A790-3CC801D0D51E}">
-  <ds:schemaRefs>
-    <ds:schemaRef ds:uri="http://purl.org/dc/terms/"/>
-    <ds:schemaRef ds:uri="http://schemas.openxmlformats.org/package/2006/metadata/core-properties"/>
-    <ds:schemaRef ds:uri="http://schemas.microsoft.com/office/2006/documentManagement/types"/>
-    <ds:schemaRef ds:uri="http://schemas.microsoft.com/office/infopath/2007/PartnerControls"/>
-    <ds:schemaRef ds:uri="http://purl.org/dc/elements/1.1/"/>
-    <ds:schemaRef ds:uri="http://schemas.microsoft.com/office/2006/metadata/properties"/>
-    <ds:schemaRef ds:uri="a4183c9b-620e-45ce-881a-bd39c0098272"/>
-    <ds:schemaRef ds:uri="426f9cb1-a1b3-4522-97ef-5888e8165ba9"/>
-    <ds:schemaRef ds:uri="http://www.w3.org/XML/1998/namespace"/>
-    <ds:schemaRef ds:uri="http://purl.org/dc/dcmitype/"/>
-  </ds:schemaRefs>
-</ds:datastoreItem>
 </file>
--- a/GoogleOrToolsExamples/ConstraintOptimizationSudoku/Documents/ConstraintSolvingSudoku.pptx
+++ b/GoogleOrToolsExamples/ConstraintOptimizationSudoku/Documents/ConstraintSolvingSudoku.pptx
@@ -5,20 +5,22 @@
     <p:sldMasterId id="2147483648" r:id="rId4"/>
   </p:sldMasterIdLst>
   <p:notesMasterIdLst>
-    <p:notesMasterId r:id="rId11"/>
+    <p:notesMasterId r:id="rId13"/>
   </p:notesMasterIdLst>
   <p:sldIdLst>
-    <p:sldId id="262" r:id="rId5"/>
-    <p:sldId id="264" r:id="rId6"/>
-    <p:sldId id="263" r:id="rId7"/>
-    <p:sldId id="265" r:id="rId8"/>
-    <p:sldId id="266" r:id="rId9"/>
-    <p:sldId id="267" r:id="rId10"/>
+    <p:sldId id="256" r:id="rId5"/>
+    <p:sldId id="257" r:id="rId6"/>
+    <p:sldId id="258" r:id="rId7"/>
+    <p:sldId id="259" r:id="rId8"/>
+    <p:sldId id="260" r:id="rId9"/>
+    <p:sldId id="261" r:id="rId10"/>
+    <p:sldId id="262" r:id="rId11"/>
+    <p:sldId id="263" r:id="rId12"/>
   </p:sldIdLst>
   <p:sldSz cx="12192000" cy="6858000"/>
   <p:notesSz cx="6858000" cy="9144000"/>
   <p:custDataLst>
-    <p:tags r:id="rId12"/>
+    <p:tags r:id="rId14"/>
   </p:custDataLst>
   <p:defaultTextStyle>
     <a:defPPr>
@@ -205,7 +207,7 @@
           <a:p>
             <a:fld id="{EE4D0CD1-B967-4301-B1AF-FEFD6E2D6C0D}" type="datetimeFigureOut">
               <a:rPr lang="en-US" smtClean="0"/>
-              <a:t>8/8/2020</a:t>
+              <a:t>8/14/2020</a:t>
             </a:fld>
             <a:endParaRPr lang="en-US"/>
           </a:p>
@@ -516,24 +518,11 @@
           <a:bodyPr/>
           <a:lstStyle/>
           <a:p>
-            <a:pPr marL="171450" indent="-171450">
-              <a:buFont typeface="Arial" panose="020B0604020202020204" pitchFamily="34" charset="0"/>
-              <a:buChar char="•"/>
-            </a:pPr>
-            <a:r>
-              <a:rPr lang="en-US" dirty="0"/>
-              <a:t>Solve solution</a:t>
-            </a:r>
-          </a:p>
-          <a:p>
-            <a:pPr marL="171450" indent="-171450">
-              <a:buFont typeface="Arial" panose="020B0604020202020204" pitchFamily="34" charset="0"/>
-              <a:buChar char="•"/>
-            </a:pPr>
-            <a:r>
-              <a:rPr lang="en-US" dirty="0"/>
-              <a:t>Code: two dimensional array</a:t>
-            </a:r>
+            <a:r>
+              <a:rPr lang="de-CH" dirty="0" smtClean="0"/>
+              <a:t>«Typisches Alltagsproblem»</a:t>
+            </a:r>
+            <a:endParaRPr lang="de-CH" dirty="0"/>
           </a:p>
         </p:txBody>
       </p:sp>
@@ -544,15 +533,15 @@
             <a:spLocks noGrp="1"/>
           </p:cNvSpPr>
           <p:nvPr>
-            <p:ph type="sldNum" sz="quarter" idx="5"/>
-          </p:nvPr>
-        </p:nvSpPr>
-        <p:spPr/>
-        <p:txBody>
-          <a:bodyPr/>
-          <a:lstStyle/>
-          <a:p>
-            <a:fld id="{0952C14B-1C3D-4638-9AC0-FB2F9D9774C6}" type="slidenum">
+            <p:ph type="sldNum" sz="quarter" idx="10"/>
+          </p:nvPr>
+        </p:nvSpPr>
+        <p:spPr/>
+        <p:txBody>
+          <a:bodyPr/>
+          <a:lstStyle/>
+          <a:p>
+            <a:fld id="{803C84AE-F607-4C6A-B9B1-3025FB7D7F8A}" type="slidenum">
               <a:rPr lang="en-US" smtClean="0"/>
               <a:t>1</a:t>
             </a:fld>
@@ -563,7 +552,7 @@
     </p:spTree>
     <p:extLst>
       <p:ext uri="{BB962C8B-B14F-4D97-AF65-F5344CB8AC3E}">
-        <p14:creationId xmlns:p14="http://schemas.microsoft.com/office/powerpoint/2010/main" val="3458440004"/>
+        <p14:creationId xmlns:p14="http://schemas.microsoft.com/office/powerpoint/2010/main" val="2920293779"/>
       </p:ext>
     </p:extLst>
   </p:cSld>
@@ -617,34 +606,106 @@
           <a:bodyPr/>
           <a:lstStyle/>
           <a:p>
-            <a:pPr marL="171450" indent="-171450">
-              <a:buFont typeface="Arial" panose="020B0604020202020204" pitchFamily="34" charset="0"/>
-              <a:buChar char="•"/>
-            </a:pPr>
             <a:r>
               <a:rPr lang="en-US" dirty="0"/>
-              <a:t>Solve the problem: take a look at the Solution space / Search space</a:t>
-            </a:r>
-          </a:p>
-          <a:p>
-            <a:pPr marL="171450" indent="-171450">
-              <a:buFont typeface="Arial" panose="020B0604020202020204" pitchFamily="34" charset="0"/>
-              <a:buChar char="•"/>
-            </a:pPr>
+              <a:t>•Two-dimensional array of integers (9x9)</a:t>
+            </a:r>
+          </a:p>
+          <a:p>
+            <a:r>
+              <a:rPr lang="en-US" dirty="0" smtClean="0"/>
+              <a:t>•</a:t>
+            </a:r>
+            <a:r>
+              <a:rPr lang="en-US" dirty="0" err="1" smtClean="0"/>
+              <a:t>Regeln</a:t>
+            </a:r>
+            <a:r>
+              <a:rPr lang="en-US" dirty="0" smtClean="0"/>
+              <a:t> furs</a:t>
+            </a:r>
+            <a:r>
+              <a:rPr lang="en-US" baseline="0" dirty="0" smtClean="0"/>
+              <a:t> Spiel </a:t>
+            </a:r>
+            <a:r>
+              <a:rPr lang="en-US" baseline="0" dirty="0" smtClean="0">
+                <a:sym typeface="Wingdings" panose="05000000000000000000" pitchFamily="2" charset="2"/>
+              </a:rPr>
+              <a:t> </a:t>
+            </a:r>
+            <a:r>
+              <a:rPr lang="en-US" dirty="0" smtClean="0"/>
+              <a:t>Constraints</a:t>
+            </a:r>
+            <a:endParaRPr lang="en-US" dirty="0">
+              <a:cs typeface="Calibri"/>
+            </a:endParaRPr>
+          </a:p>
+          <a:p>
             <a:r>
               <a:rPr lang="en-US" dirty="0"/>
-              <a:t>Solution space is pretty big. Almost as many possible solutions as there are atoms in the universe</a:t>
-            </a:r>
-          </a:p>
-          <a:p>
-            <a:pPr marL="171450" indent="-171450">
-              <a:buFont typeface="Arial" panose="020B0604020202020204" pitchFamily="34" charset="0"/>
-              <a:buChar char="•"/>
-            </a:pPr>
+              <a:t>        •1-9</a:t>
+            </a:r>
+            <a:endParaRPr lang="en-US" dirty="0">
+              <a:cs typeface="Calibri"/>
+            </a:endParaRPr>
+          </a:p>
+          <a:p>
             <a:r>
               <a:rPr lang="en-US" dirty="0"/>
-              <a:t>Brute force is not practical approach</a:t>
-            </a:r>
+              <a:t>        •Different in rows</a:t>
+            </a:r>
+            <a:endParaRPr lang="en-US" dirty="0">
+              <a:cs typeface="Calibri"/>
+            </a:endParaRPr>
+          </a:p>
+          <a:p>
+            <a:r>
+              <a:rPr lang="en-US" dirty="0"/>
+              <a:t>        •Different in columns</a:t>
+            </a:r>
+            <a:endParaRPr lang="en-US" dirty="0">
+              <a:cs typeface="Calibri"/>
+            </a:endParaRPr>
+          </a:p>
+          <a:p>
+            <a:r>
+              <a:rPr lang="en-US" dirty="0"/>
+              <a:t>        •Different in box</a:t>
+            </a:r>
+            <a:endParaRPr lang="en-US" dirty="0">
+              <a:cs typeface="Calibri"/>
+            </a:endParaRPr>
+          </a:p>
+          <a:p>
+            <a:endParaRPr lang="en-US" dirty="0">
+              <a:cs typeface="Calibri"/>
+            </a:endParaRPr>
+          </a:p>
+          <a:p>
+            <a:endParaRPr lang="en-US" dirty="0">
+              <a:cs typeface="Calibri"/>
+            </a:endParaRPr>
+          </a:p>
+          <a:p>
+            <a:r>
+              <a:rPr lang="en-US" dirty="0"/>
+              <a:t>•Solve solution</a:t>
+            </a:r>
+            <a:endParaRPr lang="en-US" dirty="0">
+              <a:cs typeface="Calibri"/>
+            </a:endParaRPr>
+          </a:p>
+          <a:p>
+            <a:endParaRPr lang="en-US" dirty="0">
+              <a:cs typeface="Calibri"/>
+            </a:endParaRPr>
+          </a:p>
+          <a:p>
+            <a:endParaRPr lang="en-US" dirty="0">
+              <a:cs typeface="Calibri"/>
+            </a:endParaRPr>
           </a:p>
         </p:txBody>
       </p:sp>
@@ -663,8 +724,8 @@
           <a:bodyPr/>
           <a:lstStyle/>
           <a:p>
-            <a:fld id="{0952C14B-1C3D-4638-9AC0-FB2F9D9774C6}" type="slidenum">
-              <a:rPr lang="en-US" smtClean="0"/>
+            <a:fld id="{803C84AE-F607-4C6A-B9B1-3025FB7D7F8A}" type="slidenum">
+              <a:rPr lang="en-US"/>
               <a:t>2</a:t>
             </a:fld>
             <a:endParaRPr lang="en-US"/>
@@ -674,7 +735,699 @@
     </p:spTree>
     <p:extLst>
       <p:ext uri="{BB962C8B-B14F-4D97-AF65-F5344CB8AC3E}">
-        <p14:creationId xmlns:p14="http://schemas.microsoft.com/office/powerpoint/2010/main" val="4066201891"/>
+        <p14:creationId xmlns:p14="http://schemas.microsoft.com/office/powerpoint/2010/main" val="193362482"/>
+      </p:ext>
+    </p:extLst>
+  </p:cSld>
+  <p:clrMapOvr>
+    <a:masterClrMapping/>
+  </p:clrMapOvr>
+</p:notes>
+</file>
+
+<file path=ppt/notesSlides/notesSlide3.xml><?xml version="1.0" encoding="utf-8"?>
+<p:notes xmlns:a="http://schemas.openxmlformats.org/drawingml/2006/main" xmlns:r="http://schemas.openxmlformats.org/officeDocument/2006/relationships" xmlns:p="http://schemas.openxmlformats.org/presentationml/2006/main">
+  <p:cSld>
+    <p:spTree>
+      <p:nvGrpSpPr>
+        <p:cNvPr id="1" name=""/>
+        <p:cNvGrpSpPr/>
+        <p:nvPr/>
+      </p:nvGrpSpPr>
+      <p:grpSpPr>
+        <a:xfrm>
+          <a:off x="0" y="0"/>
+          <a:ext cx="0" cy="0"/>
+          <a:chOff x="0" y="0"/>
+          <a:chExt cx="0" cy="0"/>
+        </a:xfrm>
+      </p:grpSpPr>
+      <p:sp>
+        <p:nvSpPr>
+          <p:cNvPr id="2" name="Slide Image Placeholder 1"/>
+          <p:cNvSpPr>
+            <a:spLocks noGrp="1" noRot="1" noChangeAspect="1"/>
+          </p:cNvSpPr>
+          <p:nvPr>
+            <p:ph type="sldImg"/>
+          </p:nvPr>
+        </p:nvSpPr>
+        <p:spPr/>
+      </p:sp>
+      <p:sp>
+        <p:nvSpPr>
+          <p:cNvPr id="3" name="Notes Placeholder 2"/>
+          <p:cNvSpPr>
+            <a:spLocks noGrp="1"/>
+          </p:cNvSpPr>
+          <p:nvPr>
+            <p:ph type="body" idx="1"/>
+          </p:nvPr>
+        </p:nvSpPr>
+        <p:spPr/>
+        <p:txBody>
+          <a:bodyPr/>
+          <a:lstStyle/>
+          <a:p>
+            <a:r>
+              <a:rPr lang="en-US" dirty="0" smtClean="0"/>
+              <a:t>•Big Solution Space</a:t>
+            </a:r>
+          </a:p>
+          <a:p>
+            <a:r>
+              <a:rPr lang="en-US" dirty="0" smtClean="0"/>
+              <a:t>• </a:t>
+            </a:r>
+            <a:r>
+              <a:rPr lang="en-US" dirty="0" err="1" smtClean="0"/>
+              <a:t>Mögliche</a:t>
+            </a:r>
+            <a:r>
+              <a:rPr lang="en-US" dirty="0" smtClean="0"/>
+              <a:t> </a:t>
+            </a:r>
+            <a:r>
+              <a:rPr lang="en-US" dirty="0" err="1" smtClean="0"/>
+              <a:t>Varianten</a:t>
+            </a:r>
+            <a:r>
+              <a:rPr lang="en-US" dirty="0" smtClean="0"/>
+              <a:t> in 9x9 array </a:t>
+            </a:r>
+            <a:r>
+              <a:rPr lang="en-US" dirty="0" err="1" smtClean="0"/>
+              <a:t>für</a:t>
+            </a:r>
+            <a:r>
+              <a:rPr lang="en-US" dirty="0" smtClean="0"/>
+              <a:t> </a:t>
+            </a:r>
+            <a:r>
+              <a:rPr lang="en-US" dirty="0" err="1" smtClean="0"/>
+              <a:t>Zahlen</a:t>
+            </a:r>
+            <a:r>
+              <a:rPr lang="en-US" dirty="0" smtClean="0"/>
+              <a:t> 1-9 </a:t>
+            </a:r>
+            <a:r>
+              <a:rPr lang="en-US" dirty="0" err="1" smtClean="0"/>
+              <a:t>ohne</a:t>
+            </a:r>
+            <a:r>
+              <a:rPr lang="en-US" dirty="0" smtClean="0"/>
+              <a:t> </a:t>
+            </a:r>
+            <a:r>
+              <a:rPr lang="en-US" dirty="0" err="1" smtClean="0"/>
+              <a:t>weitere</a:t>
+            </a:r>
+            <a:r>
+              <a:rPr lang="en-US" dirty="0" smtClean="0"/>
+              <a:t> Constraints: </a:t>
+            </a:r>
+          </a:p>
+          <a:p>
+            <a:r>
+              <a:rPr lang="en-US" dirty="0" smtClean="0"/>
+              <a:t>•2 x 10^77 possible solutions</a:t>
+            </a:r>
+          </a:p>
+          <a:p>
+            <a:endParaRPr lang="en-US" dirty="0"/>
+          </a:p>
+          <a:p>
+            <a:endParaRPr lang="en-US" dirty="0"/>
+          </a:p>
+          <a:p>
+            <a:r>
+              <a:rPr lang="en-US" dirty="0"/>
+              <a:t>•Solve the problem: take a look at the Solution space / Search space</a:t>
+            </a:r>
+          </a:p>
+          <a:p>
+            <a:r>
+              <a:rPr lang="en-US" dirty="0"/>
+              <a:t>•Solution space is pretty big. Almost as many possible solutions as there are atoms in the universe</a:t>
+            </a:r>
+          </a:p>
+          <a:p>
+            <a:r>
+              <a:rPr lang="en-US" dirty="0"/>
+              <a:t>•Brute force is not practical approach</a:t>
+            </a:r>
+          </a:p>
+          <a:p>
+            <a:endParaRPr lang="en-US" dirty="0"/>
+          </a:p>
+          <a:p>
+            <a:endParaRPr lang="en-US" dirty="0">
+              <a:cs typeface="Calibri"/>
+            </a:endParaRPr>
+          </a:p>
+        </p:txBody>
+      </p:sp>
+      <p:sp>
+        <p:nvSpPr>
+          <p:cNvPr id="4" name="Slide Number Placeholder 3"/>
+          <p:cNvSpPr>
+            <a:spLocks noGrp="1"/>
+          </p:cNvSpPr>
+          <p:nvPr>
+            <p:ph type="sldNum" sz="quarter" idx="5"/>
+          </p:nvPr>
+        </p:nvSpPr>
+        <p:spPr/>
+        <p:txBody>
+          <a:bodyPr/>
+          <a:lstStyle/>
+          <a:p>
+            <a:fld id="{803C84AE-F607-4C6A-B9B1-3025FB7D7F8A}" type="slidenum">
+              <a:rPr lang="en-US"/>
+              <a:t>3</a:t>
+            </a:fld>
+            <a:endParaRPr lang="en-US"/>
+          </a:p>
+        </p:txBody>
+      </p:sp>
+    </p:spTree>
+    <p:extLst>
+      <p:ext uri="{BB962C8B-B14F-4D97-AF65-F5344CB8AC3E}">
+        <p14:creationId xmlns:p14="http://schemas.microsoft.com/office/powerpoint/2010/main" val="1325201571"/>
+      </p:ext>
+    </p:extLst>
+  </p:cSld>
+  <p:clrMapOvr>
+    <a:masterClrMapping/>
+  </p:clrMapOvr>
+</p:notes>
+</file>
+
+<file path=ppt/notesSlides/notesSlide4.xml><?xml version="1.0" encoding="utf-8"?>
+<p:notes xmlns:a="http://schemas.openxmlformats.org/drawingml/2006/main" xmlns:r="http://schemas.openxmlformats.org/officeDocument/2006/relationships" xmlns:p="http://schemas.openxmlformats.org/presentationml/2006/main">
+  <p:cSld>
+    <p:spTree>
+      <p:nvGrpSpPr>
+        <p:cNvPr id="1" name=""/>
+        <p:cNvGrpSpPr/>
+        <p:nvPr/>
+      </p:nvGrpSpPr>
+      <p:grpSpPr>
+        <a:xfrm>
+          <a:off x="0" y="0"/>
+          <a:ext cx="0" cy="0"/>
+          <a:chOff x="0" y="0"/>
+          <a:chExt cx="0" cy="0"/>
+        </a:xfrm>
+      </p:grpSpPr>
+      <p:sp>
+        <p:nvSpPr>
+          <p:cNvPr id="2" name="Slide Image Placeholder 1"/>
+          <p:cNvSpPr>
+            <a:spLocks noGrp="1" noRot="1" noChangeAspect="1"/>
+          </p:cNvSpPr>
+          <p:nvPr>
+            <p:ph type="sldImg"/>
+          </p:nvPr>
+        </p:nvSpPr>
+        <p:spPr/>
+      </p:sp>
+      <p:sp>
+        <p:nvSpPr>
+          <p:cNvPr id="3" name="Notes Placeholder 2"/>
+          <p:cNvSpPr>
+            <a:spLocks noGrp="1"/>
+          </p:cNvSpPr>
+          <p:nvPr>
+            <p:ph type="body" idx="1"/>
+          </p:nvPr>
+        </p:nvSpPr>
+        <p:spPr/>
+        <p:txBody>
+          <a:bodyPr/>
+          <a:lstStyle/>
+          <a:p>
+            <a:r>
+              <a:rPr lang="en-US" dirty="0"/>
+              <a:t>•Add fixed </a:t>
+            </a:r>
+            <a:r>
+              <a:rPr lang="en-US" dirty="0" smtClean="0"/>
+              <a:t>values (also constraints)</a:t>
+            </a:r>
+          </a:p>
+          <a:p>
+            <a:r>
+              <a:rPr lang="en-US" dirty="0" smtClean="0"/>
+              <a:t>•Solution</a:t>
+            </a:r>
+            <a:r>
+              <a:rPr lang="en-US" baseline="0" dirty="0" smtClean="0"/>
+              <a:t> space gets reduced</a:t>
+            </a:r>
+            <a:endParaRPr lang="en-US" dirty="0"/>
+          </a:p>
+          <a:p>
+            <a:endParaRPr lang="en-US" dirty="0"/>
+          </a:p>
+          <a:p>
+            <a:endParaRPr lang="en-US" dirty="0">
+              <a:cs typeface="Calibri"/>
+            </a:endParaRPr>
+          </a:p>
+        </p:txBody>
+      </p:sp>
+      <p:sp>
+        <p:nvSpPr>
+          <p:cNvPr id="4" name="Slide Number Placeholder 3"/>
+          <p:cNvSpPr>
+            <a:spLocks noGrp="1"/>
+          </p:cNvSpPr>
+          <p:nvPr>
+            <p:ph type="sldNum" sz="quarter" idx="5"/>
+          </p:nvPr>
+        </p:nvSpPr>
+        <p:spPr/>
+        <p:txBody>
+          <a:bodyPr/>
+          <a:lstStyle/>
+          <a:p>
+            <a:fld id="{803C84AE-F607-4C6A-B9B1-3025FB7D7F8A}" type="slidenum">
+              <a:rPr lang="en-US"/>
+              <a:t>4</a:t>
+            </a:fld>
+            <a:endParaRPr lang="en-US"/>
+          </a:p>
+        </p:txBody>
+      </p:sp>
+    </p:spTree>
+    <p:extLst>
+      <p:ext uri="{BB962C8B-B14F-4D97-AF65-F5344CB8AC3E}">
+        <p14:creationId xmlns:p14="http://schemas.microsoft.com/office/powerpoint/2010/main" val="377793266"/>
+      </p:ext>
+    </p:extLst>
+  </p:cSld>
+  <p:clrMapOvr>
+    <a:masterClrMapping/>
+  </p:clrMapOvr>
+</p:notes>
+</file>
+
+<file path=ppt/notesSlides/notesSlide5.xml><?xml version="1.0" encoding="utf-8"?>
+<p:notes xmlns:a="http://schemas.openxmlformats.org/drawingml/2006/main" xmlns:r="http://schemas.openxmlformats.org/officeDocument/2006/relationships" xmlns:p="http://schemas.openxmlformats.org/presentationml/2006/main">
+  <p:cSld>
+    <p:spTree>
+      <p:nvGrpSpPr>
+        <p:cNvPr id="1" name=""/>
+        <p:cNvGrpSpPr/>
+        <p:nvPr/>
+      </p:nvGrpSpPr>
+      <p:grpSpPr>
+        <a:xfrm>
+          <a:off x="0" y="0"/>
+          <a:ext cx="0" cy="0"/>
+          <a:chOff x="0" y="0"/>
+          <a:chExt cx="0" cy="0"/>
+        </a:xfrm>
+      </p:grpSpPr>
+      <p:sp>
+        <p:nvSpPr>
+          <p:cNvPr id="2" name="Slide Image Placeholder 1"/>
+          <p:cNvSpPr>
+            <a:spLocks noGrp="1" noRot="1" noChangeAspect="1"/>
+          </p:cNvSpPr>
+          <p:nvPr>
+            <p:ph type="sldImg"/>
+          </p:nvPr>
+        </p:nvSpPr>
+        <p:spPr/>
+      </p:sp>
+      <p:sp>
+        <p:nvSpPr>
+          <p:cNvPr id="3" name="Notes Placeholder 2"/>
+          <p:cNvSpPr>
+            <a:spLocks noGrp="1"/>
+          </p:cNvSpPr>
+          <p:nvPr>
+            <p:ph type="body" idx="1"/>
+          </p:nvPr>
+        </p:nvSpPr>
+        <p:spPr/>
+        <p:txBody>
+          <a:bodyPr/>
+          <a:lstStyle/>
+          <a:p>
+            <a:r>
+              <a:rPr lang="de-CH" dirty="0" smtClean="0"/>
+              <a:t>* Wenn wir es im Kopf lösen würden,</a:t>
+            </a:r>
+            <a:r>
+              <a:rPr lang="de-CH" baseline="0" dirty="0" smtClean="0"/>
+              <a:t> setzen wir die Zahlen, die wir mit Sicherheit wissen</a:t>
+            </a:r>
+            <a:endParaRPr lang="de-CH" dirty="0"/>
+          </a:p>
+        </p:txBody>
+      </p:sp>
+      <p:sp>
+        <p:nvSpPr>
+          <p:cNvPr id="4" name="Slide Number Placeholder 3"/>
+          <p:cNvSpPr>
+            <a:spLocks noGrp="1"/>
+          </p:cNvSpPr>
+          <p:nvPr>
+            <p:ph type="sldNum" sz="quarter" idx="10"/>
+          </p:nvPr>
+        </p:nvSpPr>
+        <p:spPr/>
+        <p:txBody>
+          <a:bodyPr/>
+          <a:lstStyle/>
+          <a:p>
+            <a:fld id="{803C84AE-F607-4C6A-B9B1-3025FB7D7F8A}" type="slidenum">
+              <a:rPr lang="en-US" smtClean="0"/>
+              <a:t>5</a:t>
+            </a:fld>
+            <a:endParaRPr lang="en-US"/>
+          </a:p>
+        </p:txBody>
+      </p:sp>
+    </p:spTree>
+    <p:extLst>
+      <p:ext uri="{BB962C8B-B14F-4D97-AF65-F5344CB8AC3E}">
+        <p14:creationId xmlns:p14="http://schemas.microsoft.com/office/powerpoint/2010/main" val="412065374"/>
+      </p:ext>
+    </p:extLst>
+  </p:cSld>
+  <p:clrMapOvr>
+    <a:masterClrMapping/>
+  </p:clrMapOvr>
+</p:notes>
+</file>
+
+<file path=ppt/notesSlides/notesSlide6.xml><?xml version="1.0" encoding="utf-8"?>
+<p:notes xmlns:a="http://schemas.openxmlformats.org/drawingml/2006/main" xmlns:r="http://schemas.openxmlformats.org/officeDocument/2006/relationships" xmlns:p="http://schemas.openxmlformats.org/presentationml/2006/main">
+  <p:cSld>
+    <p:spTree>
+      <p:nvGrpSpPr>
+        <p:cNvPr id="1" name=""/>
+        <p:cNvGrpSpPr/>
+        <p:nvPr/>
+      </p:nvGrpSpPr>
+      <p:grpSpPr>
+        <a:xfrm>
+          <a:off x="0" y="0"/>
+          <a:ext cx="0" cy="0"/>
+          <a:chOff x="0" y="0"/>
+          <a:chExt cx="0" cy="0"/>
+        </a:xfrm>
+      </p:grpSpPr>
+      <p:sp>
+        <p:nvSpPr>
+          <p:cNvPr id="2" name="Slide Image Placeholder 1"/>
+          <p:cNvSpPr>
+            <a:spLocks noGrp="1" noRot="1" noChangeAspect="1"/>
+          </p:cNvSpPr>
+          <p:nvPr>
+            <p:ph type="sldImg"/>
+          </p:nvPr>
+        </p:nvSpPr>
+        <p:spPr/>
+      </p:sp>
+      <p:sp>
+        <p:nvSpPr>
+          <p:cNvPr id="3" name="Notes Placeholder 2"/>
+          <p:cNvSpPr>
+            <a:spLocks noGrp="1"/>
+          </p:cNvSpPr>
+          <p:nvPr>
+            <p:ph type="body" idx="1"/>
+          </p:nvPr>
+        </p:nvSpPr>
+        <p:spPr/>
+        <p:txBody>
+          <a:bodyPr/>
+          <a:lstStyle/>
+          <a:p>
+            <a:r>
+              <a:rPr lang="en-US" dirty="0"/>
+              <a:t>•Reduce the solution space</a:t>
+            </a:r>
+          </a:p>
+          <a:p>
+            <a:r>
+              <a:rPr lang="en-US" dirty="0"/>
+              <a:t>•Still 4 x </a:t>
+            </a:r>
+            <a:r>
+              <a:rPr lang="en-US" dirty="0" smtClean="0"/>
+              <a:t>10^21 </a:t>
+            </a:r>
+            <a:r>
+              <a:rPr lang="en-US" dirty="0"/>
+              <a:t>possible solutions</a:t>
+            </a:r>
+          </a:p>
+          <a:p>
+            <a:endParaRPr lang="en-US" dirty="0"/>
+          </a:p>
+          <a:p>
+            <a:endParaRPr lang="en-US" dirty="0">
+              <a:cs typeface="Calibri"/>
+            </a:endParaRPr>
+          </a:p>
+        </p:txBody>
+      </p:sp>
+      <p:sp>
+        <p:nvSpPr>
+          <p:cNvPr id="4" name="Slide Number Placeholder 3"/>
+          <p:cNvSpPr>
+            <a:spLocks noGrp="1"/>
+          </p:cNvSpPr>
+          <p:nvPr>
+            <p:ph type="sldNum" sz="quarter" idx="5"/>
+          </p:nvPr>
+        </p:nvSpPr>
+        <p:spPr/>
+        <p:txBody>
+          <a:bodyPr/>
+          <a:lstStyle/>
+          <a:p>
+            <a:fld id="{803C84AE-F607-4C6A-B9B1-3025FB7D7F8A}" type="slidenum">
+              <a:rPr lang="en-US"/>
+              <a:t>6</a:t>
+            </a:fld>
+            <a:endParaRPr lang="en-US"/>
+          </a:p>
+        </p:txBody>
+      </p:sp>
+    </p:spTree>
+    <p:extLst>
+      <p:ext uri="{BB962C8B-B14F-4D97-AF65-F5344CB8AC3E}">
+        <p14:creationId xmlns:p14="http://schemas.microsoft.com/office/powerpoint/2010/main" val="917202181"/>
+      </p:ext>
+    </p:extLst>
+  </p:cSld>
+  <p:clrMapOvr>
+    <a:masterClrMapping/>
+  </p:clrMapOvr>
+</p:notes>
+</file>
+
+<file path=ppt/notesSlides/notesSlide7.xml><?xml version="1.0" encoding="utf-8"?>
+<p:notes xmlns:a="http://schemas.openxmlformats.org/drawingml/2006/main" xmlns:r="http://schemas.openxmlformats.org/officeDocument/2006/relationships" xmlns:p="http://schemas.openxmlformats.org/presentationml/2006/main">
+  <p:cSld>
+    <p:spTree>
+      <p:nvGrpSpPr>
+        <p:cNvPr id="1" name=""/>
+        <p:cNvGrpSpPr/>
+        <p:nvPr/>
+      </p:nvGrpSpPr>
+      <p:grpSpPr>
+        <a:xfrm>
+          <a:off x="0" y="0"/>
+          <a:ext cx="0" cy="0"/>
+          <a:chOff x="0" y="0"/>
+          <a:chExt cx="0" cy="0"/>
+        </a:xfrm>
+      </p:grpSpPr>
+      <p:sp>
+        <p:nvSpPr>
+          <p:cNvPr id="2" name="Slide Image Placeholder 1"/>
+          <p:cNvSpPr>
+            <a:spLocks noGrp="1" noRot="1" noChangeAspect="1"/>
+          </p:cNvSpPr>
+          <p:nvPr>
+            <p:ph type="sldImg"/>
+          </p:nvPr>
+        </p:nvSpPr>
+        <p:spPr/>
+      </p:sp>
+      <p:sp>
+        <p:nvSpPr>
+          <p:cNvPr id="3" name="Notes Placeholder 2"/>
+          <p:cNvSpPr>
+            <a:spLocks noGrp="1"/>
+          </p:cNvSpPr>
+          <p:nvPr>
+            <p:ph type="body" idx="1"/>
+          </p:nvPr>
+        </p:nvSpPr>
+        <p:spPr/>
+        <p:txBody>
+          <a:bodyPr/>
+          <a:lstStyle/>
+          <a:p>
+            <a:r>
+              <a:rPr lang="en-US" dirty="0"/>
+              <a:t>•Where only one possible value remains, set as fixed</a:t>
+            </a:r>
+          </a:p>
+          <a:p>
+            <a:r>
+              <a:rPr lang="en-US" dirty="0"/>
+              <a:t>•Solution space is reduced again</a:t>
+            </a:r>
+            <a:endParaRPr lang="en-US" dirty="0">
+              <a:cs typeface="Calibri"/>
+            </a:endParaRPr>
+          </a:p>
+          <a:p>
+            <a:r>
+              <a:rPr lang="en-US" dirty="0"/>
+              <a:t>•Continue with Iterative process</a:t>
+            </a:r>
+            <a:endParaRPr lang="en-US" dirty="0">
+              <a:cs typeface="Calibri"/>
+            </a:endParaRPr>
+          </a:p>
+          <a:p>
+            <a:endParaRPr lang="en-US" dirty="0">
+              <a:cs typeface="Calibri"/>
+            </a:endParaRPr>
+          </a:p>
+        </p:txBody>
+      </p:sp>
+      <p:sp>
+        <p:nvSpPr>
+          <p:cNvPr id="4" name="Slide Number Placeholder 3"/>
+          <p:cNvSpPr>
+            <a:spLocks noGrp="1"/>
+          </p:cNvSpPr>
+          <p:nvPr>
+            <p:ph type="sldNum" sz="quarter" idx="5"/>
+          </p:nvPr>
+        </p:nvSpPr>
+        <p:spPr/>
+        <p:txBody>
+          <a:bodyPr/>
+          <a:lstStyle/>
+          <a:p>
+            <a:fld id="{803C84AE-F607-4C6A-B9B1-3025FB7D7F8A}" type="slidenum">
+              <a:rPr lang="en-US"/>
+              <a:t>7</a:t>
+            </a:fld>
+            <a:endParaRPr lang="en-US"/>
+          </a:p>
+        </p:txBody>
+      </p:sp>
+    </p:spTree>
+    <p:extLst>
+      <p:ext uri="{BB962C8B-B14F-4D97-AF65-F5344CB8AC3E}">
+        <p14:creationId xmlns:p14="http://schemas.microsoft.com/office/powerpoint/2010/main" val="2820255184"/>
+      </p:ext>
+    </p:extLst>
+  </p:cSld>
+  <p:clrMapOvr>
+    <a:masterClrMapping/>
+  </p:clrMapOvr>
+</p:notes>
+</file>
+
+<file path=ppt/notesSlides/notesSlide8.xml><?xml version="1.0" encoding="utf-8"?>
+<p:notes xmlns:a="http://schemas.openxmlformats.org/drawingml/2006/main" xmlns:r="http://schemas.openxmlformats.org/officeDocument/2006/relationships" xmlns:p="http://schemas.openxmlformats.org/presentationml/2006/main">
+  <p:cSld>
+    <p:spTree>
+      <p:nvGrpSpPr>
+        <p:cNvPr id="1" name=""/>
+        <p:cNvGrpSpPr/>
+        <p:nvPr/>
+      </p:nvGrpSpPr>
+      <p:grpSpPr>
+        <a:xfrm>
+          <a:off x="0" y="0"/>
+          <a:ext cx="0" cy="0"/>
+          <a:chOff x="0" y="0"/>
+          <a:chExt cx="0" cy="0"/>
+        </a:xfrm>
+      </p:grpSpPr>
+      <p:sp>
+        <p:nvSpPr>
+          <p:cNvPr id="2" name="Slide Image Placeholder 1"/>
+          <p:cNvSpPr>
+            <a:spLocks noGrp="1" noRot="1" noChangeAspect="1"/>
+          </p:cNvSpPr>
+          <p:nvPr>
+            <p:ph type="sldImg"/>
+          </p:nvPr>
+        </p:nvSpPr>
+        <p:spPr/>
+      </p:sp>
+      <p:sp>
+        <p:nvSpPr>
+          <p:cNvPr id="3" name="Notes Placeholder 2"/>
+          <p:cNvSpPr>
+            <a:spLocks noGrp="1"/>
+          </p:cNvSpPr>
+          <p:nvPr>
+            <p:ph type="body" idx="1"/>
+          </p:nvPr>
+        </p:nvSpPr>
+        <p:spPr/>
+        <p:txBody>
+          <a:bodyPr/>
+          <a:lstStyle/>
+          <a:p>
+            <a:r>
+              <a:rPr lang="en-US" dirty="0"/>
+              <a:t>•At the end: only one possible solution</a:t>
+            </a:r>
+          </a:p>
+          <a:p>
+            <a:endParaRPr lang="en-US" dirty="0">
+              <a:cs typeface="Calibri"/>
+            </a:endParaRPr>
+          </a:p>
+        </p:txBody>
+      </p:sp>
+      <p:sp>
+        <p:nvSpPr>
+          <p:cNvPr id="4" name="Slide Number Placeholder 3"/>
+          <p:cNvSpPr>
+            <a:spLocks noGrp="1"/>
+          </p:cNvSpPr>
+          <p:nvPr>
+            <p:ph type="sldNum" sz="quarter" idx="5"/>
+          </p:nvPr>
+        </p:nvSpPr>
+        <p:spPr/>
+        <p:txBody>
+          <a:bodyPr/>
+          <a:lstStyle/>
+          <a:p>
+            <a:fld id="{803C84AE-F607-4C6A-B9B1-3025FB7D7F8A}" type="slidenum">
+              <a:rPr lang="en-US"/>
+              <a:t>8</a:t>
+            </a:fld>
+            <a:endParaRPr lang="en-US"/>
+          </a:p>
+        </p:txBody>
+      </p:sp>
+    </p:spTree>
+    <p:extLst>
+      <p:ext uri="{BB962C8B-B14F-4D97-AF65-F5344CB8AC3E}">
+        <p14:creationId xmlns:p14="http://schemas.microsoft.com/office/powerpoint/2010/main" val="2749663481"/>
       </p:ext>
     </p:extLst>
   </p:cSld>
@@ -831,7 +1584,7 @@
           <a:p>
             <a:fld id="{B31FDE54-EA90-4369-BA08-2C5AF30C7FCB}" type="datetimeFigureOut">
               <a:rPr lang="en-US" smtClean="0"/>
-              <a:t>8/8/2020</a:t>
+              <a:t>8/14/2020</a:t>
             </a:fld>
             <a:endParaRPr lang="en-US"/>
           </a:p>
@@ -1029,7 +1782,7 @@
           <a:p>
             <a:fld id="{B31FDE54-EA90-4369-BA08-2C5AF30C7FCB}" type="datetimeFigureOut">
               <a:rPr lang="en-US" smtClean="0"/>
-              <a:t>8/8/2020</a:t>
+              <a:t>8/14/2020</a:t>
             </a:fld>
             <a:endParaRPr lang="en-US"/>
           </a:p>
@@ -1237,7 +1990,7 @@
           <a:p>
             <a:fld id="{B31FDE54-EA90-4369-BA08-2C5AF30C7FCB}" type="datetimeFigureOut">
               <a:rPr lang="en-US" smtClean="0"/>
-              <a:t>8/8/2020</a:t>
+              <a:t>8/14/2020</a:t>
             </a:fld>
             <a:endParaRPr lang="en-US"/>
           </a:p>
@@ -1435,7 +2188,7 @@
           <a:p>
             <a:fld id="{B31FDE54-EA90-4369-BA08-2C5AF30C7FCB}" type="datetimeFigureOut">
               <a:rPr lang="en-US" smtClean="0"/>
-              <a:t>8/8/2020</a:t>
+              <a:t>8/14/2020</a:t>
             </a:fld>
             <a:endParaRPr lang="en-US"/>
           </a:p>
@@ -1710,7 +2463,7 @@
           <a:p>
             <a:fld id="{B31FDE54-EA90-4369-BA08-2C5AF30C7FCB}" type="datetimeFigureOut">
               <a:rPr lang="en-US" smtClean="0"/>
-              <a:t>8/8/2020</a:t>
+              <a:t>8/14/2020</a:t>
             </a:fld>
             <a:endParaRPr lang="en-US"/>
           </a:p>
@@ -1975,7 +2728,7 @@
           <a:p>
             <a:fld id="{B31FDE54-EA90-4369-BA08-2C5AF30C7FCB}" type="datetimeFigureOut">
               <a:rPr lang="en-US" smtClean="0"/>
-              <a:t>8/8/2020</a:t>
+              <a:t>8/14/2020</a:t>
             </a:fld>
             <a:endParaRPr lang="en-US"/>
           </a:p>
@@ -2387,7 +3140,7 @@
           <a:p>
             <a:fld id="{B31FDE54-EA90-4369-BA08-2C5AF30C7FCB}" type="datetimeFigureOut">
               <a:rPr lang="en-US" smtClean="0"/>
-              <a:t>8/8/2020</a:t>
+              <a:t>8/14/2020</a:t>
             </a:fld>
             <a:endParaRPr lang="en-US"/>
           </a:p>
@@ -2528,7 +3281,7 @@
           <a:p>
             <a:fld id="{B31FDE54-EA90-4369-BA08-2C5AF30C7FCB}" type="datetimeFigureOut">
               <a:rPr lang="en-US" smtClean="0"/>
-              <a:t>8/8/2020</a:t>
+              <a:t>8/14/2020</a:t>
             </a:fld>
             <a:endParaRPr lang="en-US"/>
           </a:p>
@@ -2641,7 +3394,7 @@
           <a:p>
             <a:fld id="{B31FDE54-EA90-4369-BA08-2C5AF30C7FCB}" type="datetimeFigureOut">
               <a:rPr lang="en-US" smtClean="0"/>
-              <a:t>8/8/2020</a:t>
+              <a:t>8/14/2020</a:t>
             </a:fld>
             <a:endParaRPr lang="en-US"/>
           </a:p>
@@ -2952,7 +3705,7 @@
           <a:p>
             <a:fld id="{B31FDE54-EA90-4369-BA08-2C5AF30C7FCB}" type="datetimeFigureOut">
               <a:rPr lang="en-US" smtClean="0"/>
-              <a:t>8/8/2020</a:t>
+              <a:t>8/14/2020</a:t>
             </a:fld>
             <a:endParaRPr lang="en-US"/>
           </a:p>
@@ -3240,7 +3993,7 @@
           <a:p>
             <a:fld id="{B31FDE54-EA90-4369-BA08-2C5AF30C7FCB}" type="datetimeFigureOut">
               <a:rPr lang="en-US" smtClean="0"/>
-              <a:t>8/8/2020</a:t>
+              <a:t>8/14/2020</a:t>
             </a:fld>
             <a:endParaRPr lang="en-US"/>
           </a:p>
@@ -3481,7 +4234,7 @@
           <a:p>
             <a:fld id="{B31FDE54-EA90-4369-BA08-2C5AF30C7FCB}" type="datetimeFigureOut">
               <a:rPr lang="en-US" smtClean="0"/>
-              <a:t>8/8/2020</a:t>
+              <a:t>8/14/2020</a:t>
             </a:fld>
             <a:endParaRPr lang="en-US"/>
           </a:p>
@@ -3900,13 +4653,7 @@
       </p:grpSpPr>
       <p:sp>
         <p:nvSpPr>
-          <p:cNvPr id="7" name="Title 6">
-            <a:extLst>
-              <a:ext uri="{FF2B5EF4-FFF2-40B4-BE49-F238E27FC236}">
-                <a16:creationId xmlns:a16="http://schemas.microsoft.com/office/drawing/2014/main" id="{155A5604-C2DC-4C70-93B9-686381A6AAA9}"/>
-              </a:ext>
-            </a:extLst>
-          </p:cNvPr>
+          <p:cNvPr id="2" name="Title 1"/>
           <p:cNvSpPr>
             <a:spLocks noGrp="1"/>
           </p:cNvSpPr>
@@ -3919,125 +4666,87 @@
           <a:bodyPr/>
           <a:lstStyle/>
           <a:p>
-            <a:r>
-              <a:rPr lang="en-US" dirty="0"/>
-              <a:t>Sudoku</a:t>
-            </a:r>
-          </a:p>
-        </p:txBody>
-      </p:sp>
-      <p:sp>
-        <p:nvSpPr>
-          <p:cNvPr id="9" name="Content Placeholder 8">
-            <a:extLst>
-              <a:ext uri="{FF2B5EF4-FFF2-40B4-BE49-F238E27FC236}">
-                <a16:creationId xmlns:a16="http://schemas.microsoft.com/office/drawing/2014/main" id="{93B53761-FAA9-4162-A4CA-DDF673172638}"/>
-              </a:ext>
-            </a:extLst>
-          </p:cNvPr>
-          <p:cNvSpPr>
-            <a:spLocks noGrp="1"/>
-          </p:cNvSpPr>
-          <p:nvPr>
-            <p:ph sz="half" idx="2"/>
-          </p:nvPr>
-        </p:nvSpPr>
-        <p:spPr/>
-        <p:txBody>
-          <a:bodyPr/>
-          <a:lstStyle/>
-          <a:p>
-            <a:r>
-              <a:rPr lang="en-US" dirty="0"/>
-              <a:t>Two-dimensional array of integers (9x9)</a:t>
-            </a:r>
-          </a:p>
-          <a:p>
-            <a:r>
-              <a:rPr lang="en-US" dirty="0"/>
-              <a:t>Constraints</a:t>
-            </a:r>
-          </a:p>
-          <a:p>
-            <a:pPr lvl="1"/>
-            <a:r>
-              <a:rPr lang="en-US" dirty="0"/>
-              <a:t>1-9</a:t>
-            </a:r>
-          </a:p>
-          <a:p>
-            <a:pPr lvl="1"/>
-            <a:r>
-              <a:rPr lang="en-US" dirty="0"/>
-              <a:t>Different in rows</a:t>
-            </a:r>
-          </a:p>
-          <a:p>
-            <a:pPr lvl="1"/>
-            <a:r>
-              <a:rPr lang="en-US" dirty="0"/>
-              <a:t>Different in columns</a:t>
-            </a:r>
-          </a:p>
-          <a:p>
-            <a:pPr lvl="1"/>
-            <a:r>
-              <a:rPr lang="en-US" dirty="0"/>
-              <a:t>Different in </a:t>
-            </a:r>
-            <a:r>
-              <a:rPr lang="en-US" dirty="0" smtClean="0"/>
-              <a:t>box</a:t>
-            </a:r>
-            <a:endParaRPr lang="en-US" dirty="0"/>
-          </a:p>
-          <a:p>
-            <a:endParaRPr lang="en-US" dirty="0"/>
+            <a:endParaRPr lang="de-CH"/>
+          </a:p>
+        </p:txBody>
+      </p:sp>
+      <p:sp>
+        <p:nvSpPr>
+          <p:cNvPr id="3" name="Content Placeholder 2"/>
+          <p:cNvSpPr>
+            <a:spLocks noGrp="1"/>
+          </p:cNvSpPr>
+          <p:nvPr>
+            <p:ph idx="1"/>
+          </p:nvPr>
+        </p:nvSpPr>
+        <p:spPr/>
+        <p:txBody>
+          <a:bodyPr/>
+          <a:lstStyle/>
+          <a:p>
+            <a:endParaRPr lang="de-CH" dirty="0"/>
           </a:p>
         </p:txBody>
       </p:sp>
       <p:pic>
         <p:nvPicPr>
-          <p:cNvPr id="10" name="Content Placeholder 9">
-            <a:extLst>
-              <a:ext uri="{FF2B5EF4-FFF2-40B4-BE49-F238E27FC236}">
-                <a16:creationId xmlns:a16="http://schemas.microsoft.com/office/drawing/2014/main" id="{FE67B6B5-89DB-47B4-AC6E-A6A441B3E139}"/>
-              </a:ext>
-            </a:extLst>
-          </p:cNvPr>
+          <p:cNvPr id="4" name="Picture 2" descr="https://ais.badische-zeitung.de/piece/04/cc/85/a6/80512422.jpg"/>
           <p:cNvPicPr>
-            <a:picLocks noGrp="1" noChangeAspect="1"/>
+            <a:picLocks noChangeAspect="1" noChangeArrowheads="1"/>
           </p:cNvPicPr>
-          <p:nvPr>
-            <p:ph sz="half" idx="1"/>
-          </p:nvPr>
+          <p:nvPr/>
         </p:nvPicPr>
         <p:blipFill>
-          <a:blip r:embed="rId3"/>
+          <a:blip r:embed="rId3">
+            <a:extLst>
+              <a:ext uri="{28A0092B-C50C-407E-A947-70E740481C1C}">
+                <a14:useLocalDpi xmlns:a14="http://schemas.microsoft.com/office/drawing/2010/main" val="0"/>
+              </a:ext>
+            </a:extLst>
+          </a:blip>
+          <a:srcRect/>
           <a:stretch>
             <a:fillRect/>
           </a:stretch>
         </p:blipFill>
-        <p:spPr>
+        <p:spPr bwMode="auto">
           <a:xfrm>
-            <a:off x="1966912" y="2062956"/>
-            <a:ext cx="2924175" cy="3876675"/>
+            <a:off x="3456097" y="852702"/>
+            <a:ext cx="5279805" cy="4955565"/>
           </a:xfrm>
           <a:prstGeom prst="rect">
             <a:avLst/>
           </a:prstGeom>
+          <a:noFill/>
+          <a:extLst>
+            <a:ext uri="{909E8E84-426E-40DD-AFC4-6F175D3DCCD1}">
+              <a14:hiddenFill xmlns:a14="http://schemas.microsoft.com/office/drawing/2010/main">
+                <a:solidFill>
+                  <a:srgbClr val="FFFFFF"/>
+                </a:solidFill>
+              </a14:hiddenFill>
+            </a:ext>
+          </a:extLst>
         </p:spPr>
       </p:pic>
     </p:spTree>
     <p:extLst>
       <p:ext uri="{BB962C8B-B14F-4D97-AF65-F5344CB8AC3E}">
-        <p14:creationId xmlns:p14="http://schemas.microsoft.com/office/powerpoint/2010/main" val="2970757716"/>
+        <p14:creationId xmlns:p14="http://schemas.microsoft.com/office/powerpoint/2010/main" val="1130953357"/>
       </p:ext>
     </p:extLst>
   </p:cSld>
   <p:clrMapOvr>
     <a:masterClrMapping/>
   </p:clrMapOvr>
+  <p:timing>
+    <p:tnLst>
+      <p:par>
+        <p:cTn id="1" dur="indefinite" restart="never" nodeType="tmRoot"/>
+      </p:par>
+    </p:tnLst>
+  </p:timing>
 </p:sld>
 </file>
 
@@ -4060,10 +4769,10 @@
       </p:grpSpPr>
       <p:sp>
         <p:nvSpPr>
-          <p:cNvPr id="7" name="Title 6">
+          <p:cNvPr id="2" name="Title 1">
             <a:extLst>
               <a:ext uri="{FF2B5EF4-FFF2-40B4-BE49-F238E27FC236}">
-                <a16:creationId xmlns:a16="http://schemas.microsoft.com/office/drawing/2014/main" id="{155A5604-C2DC-4C70-93B9-686381A6AAA9}"/>
+                <a16:creationId xmlns:a16="http://schemas.microsoft.com/office/drawing/2014/main" id="{892D4C0E-20D6-40CB-8890-B7D6A8E150F2}"/>
               </a:ext>
             </a:extLst>
           </p:cNvPr>
@@ -4078,54 +4787,6 @@
         <p:txBody>
           <a:bodyPr/>
           <a:lstStyle/>
-          <a:p>
-            <a:r>
-              <a:rPr lang="en-US" dirty="0"/>
-              <a:t>Sudoku</a:t>
-            </a:r>
-          </a:p>
-        </p:txBody>
-      </p:sp>
-      <p:sp>
-        <p:nvSpPr>
-          <p:cNvPr id="9" name="Content Placeholder 8">
-            <a:extLst>
-              <a:ext uri="{FF2B5EF4-FFF2-40B4-BE49-F238E27FC236}">
-                <a16:creationId xmlns:a16="http://schemas.microsoft.com/office/drawing/2014/main" id="{93B53761-FAA9-4162-A4CA-DDF673172638}"/>
-              </a:ext>
-            </a:extLst>
-          </p:cNvPr>
-          <p:cNvSpPr>
-            <a:spLocks noGrp="1"/>
-          </p:cNvSpPr>
-          <p:nvPr>
-            <p:ph sz="half" idx="2"/>
-          </p:nvPr>
-        </p:nvSpPr>
-        <p:spPr/>
-        <p:txBody>
-          <a:bodyPr/>
-          <a:lstStyle/>
-          <a:p>
-            <a:r>
-              <a:rPr lang="en-US" dirty="0"/>
-              <a:t>Solution space</a:t>
-            </a:r>
-          </a:p>
-          <a:p>
-            <a:r>
-              <a:rPr lang="en-US" dirty="0"/>
-              <a:t>2 x 10</a:t>
-            </a:r>
-            <a:r>
-              <a:rPr lang="en-US" baseline="30000" dirty="0"/>
-              <a:t>77</a:t>
-            </a:r>
-            <a:r>
-              <a:rPr lang="en-US" dirty="0"/>
-              <a:t> possible solutions</a:t>
-            </a:r>
-          </a:p>
           <a:p>
             <a:endParaRPr lang="en-US" dirty="0"/>
           </a:p>
@@ -4133,19 +4794,11 @@
       </p:sp>
       <p:pic>
         <p:nvPicPr>
-          <p:cNvPr id="4" name="Content Placeholder 3">
-            <a:extLst>
-              <a:ext uri="{FF2B5EF4-FFF2-40B4-BE49-F238E27FC236}">
-                <a16:creationId xmlns:a16="http://schemas.microsoft.com/office/drawing/2014/main" id="{6D372CE9-80BC-4FCC-9A8B-4443E0D6A998}"/>
-              </a:ext>
-            </a:extLst>
-          </p:cNvPr>
+          <p:cNvPr id="3" name="Picture 2"/>
           <p:cNvPicPr>
-            <a:picLocks noGrp="1" noChangeAspect="1"/>
+            <a:picLocks noChangeAspect="1"/>
           </p:cNvPicPr>
-          <p:nvPr>
-            <p:ph sz="half" idx="1"/>
-          </p:nvPr>
+          <p:nvPr/>
         </p:nvPicPr>
         <p:blipFill>
           <a:blip r:embed="rId3"/>
@@ -4155,24 +4808,50 @@
         </p:blipFill>
         <p:spPr>
           <a:xfrm>
-            <a:off x="1740825" y="1825625"/>
-            <a:ext cx="3376349" cy="4351338"/>
+            <a:off x="3633787" y="0"/>
+            <a:ext cx="4924425" cy="6600825"/>
           </a:xfrm>
           <a:prstGeom prst="rect">
             <a:avLst/>
           </a:prstGeom>
         </p:spPr>
       </p:pic>
+      <p:sp>
+        <p:nvSpPr>
+          <p:cNvPr id="6" name="Content Placeholder 5"/>
+          <p:cNvSpPr>
+            <a:spLocks noGrp="1"/>
+          </p:cNvSpPr>
+          <p:nvPr>
+            <p:ph idx="1"/>
+          </p:nvPr>
+        </p:nvSpPr>
+        <p:spPr/>
+        <p:txBody>
+          <a:bodyPr/>
+          <a:lstStyle/>
+          <a:p>
+            <a:endParaRPr lang="de-CH"/>
+          </a:p>
+        </p:txBody>
+      </p:sp>
     </p:spTree>
     <p:extLst>
       <p:ext uri="{BB962C8B-B14F-4D97-AF65-F5344CB8AC3E}">
-        <p14:creationId xmlns:p14="http://schemas.microsoft.com/office/powerpoint/2010/main" val="3090012742"/>
+        <p14:creationId xmlns:p14="http://schemas.microsoft.com/office/powerpoint/2010/main" val="1626297749"/>
       </p:ext>
     </p:extLst>
   </p:cSld>
   <p:clrMapOvr>
     <a:masterClrMapping/>
   </p:clrMapOvr>
+  <p:timing>
+    <p:tnLst>
+      <p:par>
+        <p:cTn id="1" dur="indefinite" restart="never" nodeType="tmRoot"/>
+      </p:par>
+    </p:tnLst>
+  </p:timing>
 </p:sld>
 </file>
 
@@ -4195,10 +4874,10 @@
       </p:grpSpPr>
       <p:sp>
         <p:nvSpPr>
-          <p:cNvPr id="7" name="Title 6">
+          <p:cNvPr id="9" name="Title 8">
             <a:extLst>
               <a:ext uri="{FF2B5EF4-FFF2-40B4-BE49-F238E27FC236}">
-                <a16:creationId xmlns:a16="http://schemas.microsoft.com/office/drawing/2014/main" id="{155A5604-C2DC-4C70-93B9-686381A6AAA9}"/>
+                <a16:creationId xmlns:a16="http://schemas.microsoft.com/office/drawing/2014/main" id="{3CDF443D-CD6D-4FE7-BB97-71B42D05BE9E}"/>
               </a:ext>
             </a:extLst>
           </p:cNvPr>
@@ -4214,88 +4893,13 @@
           <a:bodyPr/>
           <a:lstStyle/>
           <a:p>
-            <a:r>
-              <a:rPr lang="en-US" dirty="0"/>
-              <a:t>Sudoku</a:t>
-            </a:r>
-          </a:p>
-        </p:txBody>
-      </p:sp>
-      <p:sp>
-        <p:nvSpPr>
-          <p:cNvPr id="9" name="Content Placeholder 8">
-            <a:extLst>
-              <a:ext uri="{FF2B5EF4-FFF2-40B4-BE49-F238E27FC236}">
-                <a16:creationId xmlns:a16="http://schemas.microsoft.com/office/drawing/2014/main" id="{93B53761-FAA9-4162-A4CA-DDF673172638}"/>
-              </a:ext>
-            </a:extLst>
-          </p:cNvPr>
-          <p:cNvSpPr>
-            <a:spLocks noGrp="1"/>
-          </p:cNvSpPr>
-          <p:nvPr>
-            <p:ph sz="half" idx="2"/>
-          </p:nvPr>
-        </p:nvSpPr>
-        <p:spPr/>
-        <p:txBody>
-          <a:bodyPr/>
-          <a:lstStyle/>
-          <a:p>
-            <a:r>
-              <a:rPr lang="en-US" dirty="0"/>
-              <a:t>Add values</a:t>
-            </a:r>
-          </a:p>
-          <a:p>
-            <a:pPr marL="0" indent="0">
-              <a:buNone/>
-            </a:pPr>
-            <a:endParaRPr lang="en-US" dirty="0"/>
+            <a:endParaRPr lang="en-US"/>
           </a:p>
         </p:txBody>
       </p:sp>
       <p:pic>
         <p:nvPicPr>
-          <p:cNvPr id="4" name="Content Placeholder 3">
-            <a:extLst>
-              <a:ext uri="{FF2B5EF4-FFF2-40B4-BE49-F238E27FC236}">
-                <a16:creationId xmlns:a16="http://schemas.microsoft.com/office/drawing/2014/main" id="{6D372CE9-80BC-4FCC-9A8B-4443E0D6A998}"/>
-              </a:ext>
-            </a:extLst>
-          </p:cNvPr>
-          <p:cNvPicPr>
-            <a:picLocks noGrp="1" noChangeAspect="1"/>
-          </p:cNvPicPr>
-          <p:nvPr>
-            <p:ph sz="half" idx="1"/>
-          </p:nvPr>
-        </p:nvPicPr>
-        <p:blipFill>
-          <a:blip r:embed="rId2"/>
-          <a:stretch>
-            <a:fillRect/>
-          </a:stretch>
-        </p:blipFill>
-        <p:spPr>
-          <a:xfrm>
-            <a:off x="1740825" y="1825625"/>
-            <a:ext cx="3376349" cy="4351338"/>
-          </a:xfrm>
-          <a:prstGeom prst="rect">
-            <a:avLst/>
-          </a:prstGeom>
-        </p:spPr>
-      </p:pic>
-      <p:pic>
-        <p:nvPicPr>
-          <p:cNvPr id="8" name="Content Placeholder 9">
-            <a:extLst>
-              <a:ext uri="{FF2B5EF4-FFF2-40B4-BE49-F238E27FC236}">
-                <a16:creationId xmlns:a16="http://schemas.microsoft.com/office/drawing/2014/main" id="{36F5872D-243E-4F27-BBC4-A0BF224F3A5C}"/>
-              </a:ext>
-            </a:extLst>
-          </p:cNvPr>
+          <p:cNvPr id="2" name="Picture 1"/>
           <p:cNvPicPr>
             <a:picLocks noChangeAspect="1"/>
           </p:cNvPicPr>
@@ -4309,24 +4913,600 @@
         </p:blipFill>
         <p:spPr>
           <a:xfrm>
-            <a:off x="685800" y="1490662"/>
-            <a:ext cx="2231728" cy="2958675"/>
+            <a:off x="3606484" y="365125"/>
+            <a:ext cx="4979032" cy="6300000"/>
           </a:xfrm>
           <a:prstGeom prst="rect">
             <a:avLst/>
           </a:prstGeom>
         </p:spPr>
       </p:pic>
+      <p:sp>
+        <p:nvSpPr>
+          <p:cNvPr id="3" name="Rounded Rectangle 2"/>
+          <p:cNvSpPr/>
+          <p:nvPr/>
+        </p:nvSpPr>
+        <p:spPr>
+          <a:xfrm>
+            <a:off x="3657600" y="570586"/>
+            <a:ext cx="555956" cy="687629"/>
+          </a:xfrm>
+          <a:prstGeom prst="roundRect">
+            <a:avLst/>
+          </a:prstGeom>
+          <a:noFill/>
+          <a:ln w="38100">
+            <a:solidFill>
+              <a:srgbClr val="FF0000"/>
+            </a:solidFill>
+          </a:ln>
+        </p:spPr>
+        <p:style>
+          <a:lnRef idx="2">
+            <a:schemeClr val="accent2"/>
+          </a:lnRef>
+          <a:fillRef idx="1">
+            <a:schemeClr val="lt1"/>
+          </a:fillRef>
+          <a:effectRef idx="0">
+            <a:schemeClr val="accent2"/>
+          </a:effectRef>
+          <a:fontRef idx="minor">
+            <a:schemeClr val="dk1"/>
+          </a:fontRef>
+        </p:style>
+        <p:txBody>
+          <a:bodyPr rtlCol="0" anchor="ctr"/>
+          <a:lstStyle/>
+          <a:p>
+            <a:pPr algn="ctr"/>
+            <a:endParaRPr lang="de-CH"/>
+          </a:p>
+        </p:txBody>
+      </p:sp>
+      <p:sp>
+        <p:nvSpPr>
+          <p:cNvPr id="8" name="Rounded Rectangle 7"/>
+          <p:cNvSpPr/>
+          <p:nvPr/>
+        </p:nvSpPr>
+        <p:spPr>
+          <a:xfrm>
+            <a:off x="3657600" y="570585"/>
+            <a:ext cx="4927915" cy="687629"/>
+          </a:xfrm>
+          <a:prstGeom prst="roundRect">
+            <a:avLst/>
+          </a:prstGeom>
+          <a:noFill/>
+          <a:ln w="38100">
+            <a:solidFill>
+              <a:srgbClr val="FF0000"/>
+            </a:solidFill>
+          </a:ln>
+        </p:spPr>
+        <p:style>
+          <a:lnRef idx="2">
+            <a:schemeClr val="accent2"/>
+          </a:lnRef>
+          <a:fillRef idx="1">
+            <a:schemeClr val="lt1"/>
+          </a:fillRef>
+          <a:effectRef idx="0">
+            <a:schemeClr val="accent2"/>
+          </a:effectRef>
+          <a:fontRef idx="minor">
+            <a:schemeClr val="dk1"/>
+          </a:fontRef>
+        </p:style>
+        <p:txBody>
+          <a:bodyPr rtlCol="0" anchor="ctr"/>
+          <a:lstStyle/>
+          <a:p>
+            <a:pPr algn="ctr"/>
+            <a:endParaRPr lang="de-CH"/>
+          </a:p>
+        </p:txBody>
+      </p:sp>
+      <p:sp>
+        <p:nvSpPr>
+          <p:cNvPr id="10" name="Rounded Rectangle 9"/>
+          <p:cNvSpPr/>
+          <p:nvPr/>
+        </p:nvSpPr>
+        <p:spPr>
+          <a:xfrm>
+            <a:off x="3657599" y="570584"/>
+            <a:ext cx="555958" cy="6094541"/>
+          </a:xfrm>
+          <a:prstGeom prst="roundRect">
+            <a:avLst/>
+          </a:prstGeom>
+          <a:noFill/>
+          <a:ln w="38100">
+            <a:solidFill>
+              <a:srgbClr val="FF0000"/>
+            </a:solidFill>
+          </a:ln>
+        </p:spPr>
+        <p:style>
+          <a:lnRef idx="2">
+            <a:schemeClr val="accent2"/>
+          </a:lnRef>
+          <a:fillRef idx="1">
+            <a:schemeClr val="lt1"/>
+          </a:fillRef>
+          <a:effectRef idx="0">
+            <a:schemeClr val="accent2"/>
+          </a:effectRef>
+          <a:fontRef idx="minor">
+            <a:schemeClr val="dk1"/>
+          </a:fontRef>
+        </p:style>
+        <p:txBody>
+          <a:bodyPr rtlCol="0" anchor="ctr"/>
+          <a:lstStyle/>
+          <a:p>
+            <a:pPr algn="ctr"/>
+            <a:endParaRPr lang="de-CH"/>
+          </a:p>
+        </p:txBody>
+      </p:sp>
+      <p:sp>
+        <p:nvSpPr>
+          <p:cNvPr id="11" name="Rounded Rectangle 10"/>
+          <p:cNvSpPr/>
+          <p:nvPr/>
+        </p:nvSpPr>
+        <p:spPr>
+          <a:xfrm>
+            <a:off x="3657598" y="570583"/>
+            <a:ext cx="1623975" cy="2048260"/>
+          </a:xfrm>
+          <a:prstGeom prst="roundRect">
+            <a:avLst/>
+          </a:prstGeom>
+          <a:noFill/>
+          <a:ln w="38100">
+            <a:solidFill>
+              <a:srgbClr val="FF0000"/>
+            </a:solidFill>
+          </a:ln>
+        </p:spPr>
+        <p:style>
+          <a:lnRef idx="2">
+            <a:schemeClr val="accent2"/>
+          </a:lnRef>
+          <a:fillRef idx="1">
+            <a:schemeClr val="lt1"/>
+          </a:fillRef>
+          <a:effectRef idx="0">
+            <a:schemeClr val="accent2"/>
+          </a:effectRef>
+          <a:fontRef idx="minor">
+            <a:schemeClr val="dk1"/>
+          </a:fontRef>
+        </p:style>
+        <p:txBody>
+          <a:bodyPr rtlCol="0" anchor="ctr"/>
+          <a:lstStyle/>
+          <a:p>
+            <a:pPr algn="ctr"/>
+            <a:endParaRPr lang="de-CH"/>
+          </a:p>
+        </p:txBody>
+      </p:sp>
     </p:spTree>
     <p:extLst>
       <p:ext uri="{BB962C8B-B14F-4D97-AF65-F5344CB8AC3E}">
-        <p14:creationId xmlns:p14="http://schemas.microsoft.com/office/powerpoint/2010/main" val="1501223975"/>
+        <p14:creationId xmlns:p14="http://schemas.microsoft.com/office/powerpoint/2010/main" val="2344802320"/>
       </p:ext>
     </p:extLst>
   </p:cSld>
   <p:clrMapOvr>
     <a:masterClrMapping/>
   </p:clrMapOvr>
+  <p:timing>
+    <p:tnLst>
+      <p:par>
+        <p:cTn id="1" dur="indefinite" restart="never" nodeType="tmRoot">
+          <p:childTnLst>
+            <p:seq concurrent="1" nextAc="seek">
+              <p:cTn id="2" dur="indefinite" nodeType="mainSeq">
+                <p:childTnLst>
+                  <p:par>
+                    <p:cTn id="3" fill="hold">
+                      <p:stCondLst>
+                        <p:cond delay="indefinite"/>
+                      </p:stCondLst>
+                      <p:childTnLst>
+                        <p:par>
+                          <p:cTn id="4" fill="hold">
+                            <p:stCondLst>
+                              <p:cond delay="0"/>
+                            </p:stCondLst>
+                            <p:childTnLst>
+                              <p:par>
+                                <p:cTn id="5" presetID="1" presetClass="entr" presetSubtype="0" fill="hold" grpId="0" nodeType="clickEffect">
+                                  <p:stCondLst>
+                                    <p:cond delay="0"/>
+                                  </p:stCondLst>
+                                  <p:childTnLst>
+                                    <p:set>
+                                      <p:cBhvr>
+                                        <p:cTn id="6" dur="1" fill="hold">
+                                          <p:stCondLst>
+                                            <p:cond delay="0"/>
+                                          </p:stCondLst>
+                                        </p:cTn>
+                                        <p:tgtEl>
+                                          <p:spTgt spid="3"/>
+                                        </p:tgtEl>
+                                        <p:attrNameLst>
+                                          <p:attrName>style.visibility</p:attrName>
+                                        </p:attrNameLst>
+                                      </p:cBhvr>
+                                      <p:to>
+                                        <p:strVal val="visible"/>
+                                      </p:to>
+                                    </p:set>
+                                  </p:childTnLst>
+                                </p:cTn>
+                              </p:par>
+                            </p:childTnLst>
+                          </p:cTn>
+                        </p:par>
+                      </p:childTnLst>
+                    </p:cTn>
+                  </p:par>
+                  <p:par>
+                    <p:cTn id="7" fill="hold">
+                      <p:stCondLst>
+                        <p:cond delay="indefinite"/>
+                      </p:stCondLst>
+                      <p:childTnLst>
+                        <p:par>
+                          <p:cTn id="8" fill="hold">
+                            <p:stCondLst>
+                              <p:cond delay="0"/>
+                            </p:stCondLst>
+                            <p:childTnLst>
+                              <p:par>
+                                <p:cTn id="9" presetID="1" presetClass="exit" presetSubtype="0" fill="hold" grpId="1" nodeType="clickEffect">
+                                  <p:stCondLst>
+                                    <p:cond delay="0"/>
+                                  </p:stCondLst>
+                                  <p:childTnLst>
+                                    <p:set>
+                                      <p:cBhvr>
+                                        <p:cTn id="10" dur="1" fill="hold">
+                                          <p:stCondLst>
+                                            <p:cond delay="0"/>
+                                          </p:stCondLst>
+                                        </p:cTn>
+                                        <p:tgtEl>
+                                          <p:spTgt spid="3"/>
+                                        </p:tgtEl>
+                                        <p:attrNameLst>
+                                          <p:attrName>style.visibility</p:attrName>
+                                        </p:attrNameLst>
+                                      </p:cBhvr>
+                                      <p:to>
+                                        <p:strVal val="hidden"/>
+                                      </p:to>
+                                    </p:set>
+                                  </p:childTnLst>
+                                </p:cTn>
+                              </p:par>
+                            </p:childTnLst>
+                          </p:cTn>
+                        </p:par>
+                      </p:childTnLst>
+                    </p:cTn>
+                  </p:par>
+                  <p:par>
+                    <p:cTn id="11" fill="hold">
+                      <p:stCondLst>
+                        <p:cond delay="indefinite"/>
+                      </p:stCondLst>
+                      <p:childTnLst>
+                        <p:par>
+                          <p:cTn id="12" fill="hold">
+                            <p:stCondLst>
+                              <p:cond delay="0"/>
+                            </p:stCondLst>
+                            <p:childTnLst>
+                              <p:par>
+                                <p:cTn id="13" presetID="1" presetClass="entr" presetSubtype="0" fill="hold" grpId="0" nodeType="clickEffect">
+                                  <p:stCondLst>
+                                    <p:cond delay="0"/>
+                                  </p:stCondLst>
+                                  <p:childTnLst>
+                                    <p:set>
+                                      <p:cBhvr>
+                                        <p:cTn id="14" dur="1" fill="hold">
+                                          <p:stCondLst>
+                                            <p:cond delay="0"/>
+                                          </p:stCondLst>
+                                        </p:cTn>
+                                        <p:tgtEl>
+                                          <p:spTgt spid="8"/>
+                                        </p:tgtEl>
+                                        <p:attrNameLst>
+                                          <p:attrName>style.visibility</p:attrName>
+                                        </p:attrNameLst>
+                                      </p:cBhvr>
+                                      <p:to>
+                                        <p:strVal val="visible"/>
+                                      </p:to>
+                                    </p:set>
+                                  </p:childTnLst>
+                                </p:cTn>
+                              </p:par>
+                            </p:childTnLst>
+                          </p:cTn>
+                        </p:par>
+                      </p:childTnLst>
+                    </p:cTn>
+                  </p:par>
+                  <p:par>
+                    <p:cTn id="15" fill="hold">
+                      <p:stCondLst>
+                        <p:cond delay="indefinite"/>
+                      </p:stCondLst>
+                      <p:childTnLst>
+                        <p:par>
+                          <p:cTn id="16" fill="hold">
+                            <p:stCondLst>
+                              <p:cond delay="0"/>
+                            </p:stCondLst>
+                            <p:childTnLst>
+                              <p:par>
+                                <p:cTn id="17" presetID="1" presetClass="exit" presetSubtype="0" fill="hold" grpId="1" nodeType="clickEffect">
+                                  <p:stCondLst>
+                                    <p:cond delay="0"/>
+                                  </p:stCondLst>
+                                  <p:childTnLst>
+                                    <p:set>
+                                      <p:cBhvr>
+                                        <p:cTn id="18" dur="1" fill="hold">
+                                          <p:stCondLst>
+                                            <p:cond delay="0"/>
+                                          </p:stCondLst>
+                                        </p:cTn>
+                                        <p:tgtEl>
+                                          <p:spTgt spid="8"/>
+                                        </p:tgtEl>
+                                        <p:attrNameLst>
+                                          <p:attrName>style.visibility</p:attrName>
+                                        </p:attrNameLst>
+                                      </p:cBhvr>
+                                      <p:to>
+                                        <p:strVal val="hidden"/>
+                                      </p:to>
+                                    </p:set>
+                                  </p:childTnLst>
+                                </p:cTn>
+                              </p:par>
+                            </p:childTnLst>
+                          </p:cTn>
+                        </p:par>
+                      </p:childTnLst>
+                    </p:cTn>
+                  </p:par>
+                  <p:par>
+                    <p:cTn id="19" fill="hold">
+                      <p:stCondLst>
+                        <p:cond delay="indefinite"/>
+                      </p:stCondLst>
+                      <p:childTnLst>
+                        <p:par>
+                          <p:cTn id="20" fill="hold">
+                            <p:stCondLst>
+                              <p:cond delay="0"/>
+                            </p:stCondLst>
+                            <p:childTnLst>
+                              <p:par>
+                                <p:cTn id="21" presetID="1" presetClass="entr" presetSubtype="0" fill="hold" grpId="0" nodeType="clickEffect">
+                                  <p:stCondLst>
+                                    <p:cond delay="0"/>
+                                  </p:stCondLst>
+                                  <p:childTnLst>
+                                    <p:set>
+                                      <p:cBhvr>
+                                        <p:cTn id="22" dur="1" fill="hold">
+                                          <p:stCondLst>
+                                            <p:cond delay="0"/>
+                                          </p:stCondLst>
+                                        </p:cTn>
+                                        <p:tgtEl>
+                                          <p:spTgt spid="10"/>
+                                        </p:tgtEl>
+                                        <p:attrNameLst>
+                                          <p:attrName>style.visibility</p:attrName>
+                                        </p:attrNameLst>
+                                      </p:cBhvr>
+                                      <p:to>
+                                        <p:strVal val="visible"/>
+                                      </p:to>
+                                    </p:set>
+                                  </p:childTnLst>
+                                </p:cTn>
+                              </p:par>
+                            </p:childTnLst>
+                          </p:cTn>
+                        </p:par>
+                      </p:childTnLst>
+                    </p:cTn>
+                  </p:par>
+                  <p:par>
+                    <p:cTn id="23" fill="hold">
+                      <p:stCondLst>
+                        <p:cond delay="indefinite"/>
+                      </p:stCondLst>
+                      <p:childTnLst>
+                        <p:par>
+                          <p:cTn id="24" fill="hold">
+                            <p:stCondLst>
+                              <p:cond delay="0"/>
+                            </p:stCondLst>
+                            <p:childTnLst>
+                              <p:par>
+                                <p:cTn id="25" presetID="1" presetClass="exit" presetSubtype="0" fill="hold" grpId="1" nodeType="clickEffect">
+                                  <p:stCondLst>
+                                    <p:cond delay="0"/>
+                                  </p:stCondLst>
+                                  <p:childTnLst>
+                                    <p:set>
+                                      <p:cBhvr>
+                                        <p:cTn id="26" dur="1" fill="hold">
+                                          <p:stCondLst>
+                                            <p:cond delay="0"/>
+                                          </p:stCondLst>
+                                        </p:cTn>
+                                        <p:tgtEl>
+                                          <p:spTgt spid="10"/>
+                                        </p:tgtEl>
+                                        <p:attrNameLst>
+                                          <p:attrName>style.visibility</p:attrName>
+                                        </p:attrNameLst>
+                                      </p:cBhvr>
+                                      <p:to>
+                                        <p:strVal val="hidden"/>
+                                      </p:to>
+                                    </p:set>
+                                  </p:childTnLst>
+                                </p:cTn>
+                              </p:par>
+                            </p:childTnLst>
+                          </p:cTn>
+                        </p:par>
+                      </p:childTnLst>
+                    </p:cTn>
+                  </p:par>
+                  <p:par>
+                    <p:cTn id="27" fill="hold">
+                      <p:stCondLst>
+                        <p:cond delay="indefinite"/>
+                      </p:stCondLst>
+                      <p:childTnLst>
+                        <p:par>
+                          <p:cTn id="28" fill="hold">
+                            <p:stCondLst>
+                              <p:cond delay="0"/>
+                            </p:stCondLst>
+                            <p:childTnLst>
+                              <p:par>
+                                <p:cTn id="29" presetID="1" presetClass="entr" presetSubtype="0" fill="hold" grpId="0" nodeType="clickEffect">
+                                  <p:stCondLst>
+                                    <p:cond delay="0"/>
+                                  </p:stCondLst>
+                                  <p:childTnLst>
+                                    <p:set>
+                                      <p:cBhvr>
+                                        <p:cTn id="30" dur="1" fill="hold">
+                                          <p:stCondLst>
+                                            <p:cond delay="0"/>
+                                          </p:stCondLst>
+                                        </p:cTn>
+                                        <p:tgtEl>
+                                          <p:spTgt spid="11"/>
+                                        </p:tgtEl>
+                                        <p:attrNameLst>
+                                          <p:attrName>style.visibility</p:attrName>
+                                        </p:attrNameLst>
+                                      </p:cBhvr>
+                                      <p:to>
+                                        <p:strVal val="visible"/>
+                                      </p:to>
+                                    </p:set>
+                                  </p:childTnLst>
+                                </p:cTn>
+                              </p:par>
+                            </p:childTnLst>
+                          </p:cTn>
+                        </p:par>
+                      </p:childTnLst>
+                    </p:cTn>
+                  </p:par>
+                  <p:par>
+                    <p:cTn id="31" fill="hold">
+                      <p:stCondLst>
+                        <p:cond delay="indefinite"/>
+                      </p:stCondLst>
+                      <p:childTnLst>
+                        <p:par>
+                          <p:cTn id="32" fill="hold">
+                            <p:stCondLst>
+                              <p:cond delay="0"/>
+                            </p:stCondLst>
+                            <p:childTnLst>
+                              <p:par>
+                                <p:cTn id="33" presetID="1" presetClass="exit" presetSubtype="0" fill="hold" grpId="1" nodeType="clickEffect">
+                                  <p:stCondLst>
+                                    <p:cond delay="0"/>
+                                  </p:stCondLst>
+                                  <p:childTnLst>
+                                    <p:set>
+                                      <p:cBhvr>
+                                        <p:cTn id="34" dur="1" fill="hold">
+                                          <p:stCondLst>
+                                            <p:cond delay="0"/>
+                                          </p:stCondLst>
+                                        </p:cTn>
+                                        <p:tgtEl>
+                                          <p:spTgt spid="11"/>
+                                        </p:tgtEl>
+                                        <p:attrNameLst>
+                                          <p:attrName>style.visibility</p:attrName>
+                                        </p:attrNameLst>
+                                      </p:cBhvr>
+                                      <p:to>
+                                        <p:strVal val="hidden"/>
+                                      </p:to>
+                                    </p:set>
+                                  </p:childTnLst>
+                                </p:cTn>
+                              </p:par>
+                            </p:childTnLst>
+                          </p:cTn>
+                        </p:par>
+                      </p:childTnLst>
+                    </p:cTn>
+                  </p:par>
+                </p:childTnLst>
+              </p:cTn>
+              <p:prevCondLst>
+                <p:cond evt="onPrev" delay="0">
+                  <p:tgtEl>
+                    <p:sldTgt/>
+                  </p:tgtEl>
+                </p:cond>
+              </p:prevCondLst>
+              <p:nextCondLst>
+                <p:cond evt="onNext" delay="0">
+                  <p:tgtEl>
+                    <p:sldTgt/>
+                  </p:tgtEl>
+                </p:cond>
+              </p:nextCondLst>
+            </p:seq>
+          </p:childTnLst>
+        </p:cTn>
+      </p:par>
+    </p:tnLst>
+    <p:bldLst>
+      <p:bldP spid="3" grpId="0" animBg="1"/>
+      <p:bldP spid="3" grpId="1" animBg="1"/>
+      <p:bldP spid="8" grpId="0" animBg="1"/>
+      <p:bldP spid="8" grpId="1" animBg="1"/>
+      <p:bldP spid="10" grpId="0" animBg="1"/>
+      <p:bldP spid="10" grpId="1" animBg="1"/>
+      <p:bldP spid="11" grpId="0" animBg="1"/>
+      <p:bldP spid="11" grpId="1" animBg="1"/>
+    </p:bldLst>
+  </p:timing>
 </p:sld>
 </file>
 
@@ -4349,10 +5529,10 @@
       </p:grpSpPr>
       <p:sp>
         <p:nvSpPr>
-          <p:cNvPr id="2" name="Title 1">
+          <p:cNvPr id="9" name="Title 8">
             <a:extLst>
               <a:ext uri="{FF2B5EF4-FFF2-40B4-BE49-F238E27FC236}">
-                <a16:creationId xmlns:a16="http://schemas.microsoft.com/office/drawing/2014/main" id="{31EAED21-1372-4F58-913F-1CC3F78BDBC7}"/>
+                <a16:creationId xmlns:a16="http://schemas.microsoft.com/office/drawing/2014/main" id="{3CDF443D-CD6D-4FE7-BB97-71B42D05BE9E}"/>
               </a:ext>
             </a:extLst>
           </p:cNvPr>
@@ -4368,87 +5548,52 @@
           <a:bodyPr/>
           <a:lstStyle/>
           <a:p>
-            <a:r>
-              <a:rPr lang="en-US" dirty="0"/>
-              <a:t>Sudoku</a:t>
-            </a:r>
-          </a:p>
-        </p:txBody>
-      </p:sp>
-      <p:sp>
-        <p:nvSpPr>
-          <p:cNvPr id="4" name="Content Placeholder 3">
-            <a:extLst>
-              <a:ext uri="{FF2B5EF4-FFF2-40B4-BE49-F238E27FC236}">
-                <a16:creationId xmlns:a16="http://schemas.microsoft.com/office/drawing/2014/main" id="{37ED8D51-23AB-497C-9744-BC6AAE632FBB}"/>
-              </a:ext>
-            </a:extLst>
-          </p:cNvPr>
-          <p:cNvSpPr>
-            <a:spLocks noGrp="1"/>
-          </p:cNvSpPr>
-          <p:nvPr>
-            <p:ph sz="half" idx="2"/>
-          </p:nvPr>
-        </p:nvSpPr>
-        <p:spPr/>
-        <p:txBody>
-          <a:bodyPr/>
-          <a:lstStyle/>
-          <a:p>
-            <a:r>
-              <a:rPr lang="en-US" dirty="0"/>
-              <a:t>Reduce the solution space</a:t>
-            </a:r>
-          </a:p>
-          <a:p>
-            <a:r>
-              <a:rPr lang="en-US" dirty="0"/>
-              <a:t>Still 4 x 10</a:t>
-            </a:r>
-            <a:r>
-              <a:rPr lang="en-US" baseline="30000" dirty="0"/>
-              <a:t>21</a:t>
-            </a:r>
-            <a:r>
-              <a:rPr lang="en-US" dirty="0"/>
-              <a:t> possible solutions</a:t>
-            </a:r>
-          </a:p>
-          <a:p>
-            <a:endParaRPr lang="en-US" dirty="0"/>
-          </a:p>
-          <a:p>
-            <a:endParaRPr lang="en-US" dirty="0"/>
+            <a:endParaRPr lang="en-US"/>
           </a:p>
         </p:txBody>
       </p:sp>
       <p:pic>
         <p:nvPicPr>
-          <p:cNvPr id="8" name="Content Placeholder 7">
-            <a:extLst>
-              <a:ext uri="{FF2B5EF4-FFF2-40B4-BE49-F238E27FC236}">
-                <a16:creationId xmlns:a16="http://schemas.microsoft.com/office/drawing/2014/main" id="{444FA407-1738-444D-BF45-B7B195C43291}"/>
-              </a:ext>
-            </a:extLst>
-          </p:cNvPr>
+          <p:cNvPr id="5" name="Picture 4"/>
           <p:cNvPicPr>
-            <a:picLocks noGrp="1" noChangeAspect="1"/>
+            <a:picLocks noChangeAspect="1"/>
           </p:cNvPicPr>
-          <p:nvPr>
-            <p:ph sz="half" idx="1"/>
-          </p:nvPr>
+          <p:nvPr/>
         </p:nvPicPr>
         <p:blipFill>
-          <a:blip r:embed="rId2"/>
+          <a:blip r:embed="rId3"/>
           <a:stretch>
             <a:fillRect/>
           </a:stretch>
         </p:blipFill>
         <p:spPr>
           <a:xfrm>
-            <a:off x="1758881" y="1825625"/>
-            <a:ext cx="3340238" cy="4351338"/>
+            <a:off x="3606484" y="365125"/>
+            <a:ext cx="4979032" cy="6300000"/>
+          </a:xfrm>
+          <a:prstGeom prst="rect">
+            <a:avLst/>
+          </a:prstGeom>
+        </p:spPr>
+      </p:pic>
+      <p:pic>
+        <p:nvPicPr>
+          <p:cNvPr id="6" name="Picture 5"/>
+          <p:cNvPicPr>
+            <a:picLocks noChangeAspect="1"/>
+          </p:cNvPicPr>
+          <p:nvPr/>
+        </p:nvPicPr>
+        <p:blipFill>
+          <a:blip r:embed="rId4"/>
+          <a:stretch>
+            <a:fillRect/>
+          </a:stretch>
+        </p:blipFill>
+        <p:spPr>
+          <a:xfrm>
+            <a:off x="2731662" y="92054"/>
+            <a:ext cx="2889750" cy="3873495"/>
           </a:xfrm>
           <a:prstGeom prst="rect">
             <a:avLst/>
@@ -4458,13 +5603,20 @@
     </p:spTree>
     <p:extLst>
       <p:ext uri="{BB962C8B-B14F-4D97-AF65-F5344CB8AC3E}">
-        <p14:creationId xmlns:p14="http://schemas.microsoft.com/office/powerpoint/2010/main" val="1806578609"/>
+        <p14:creationId xmlns:p14="http://schemas.microsoft.com/office/powerpoint/2010/main" val="3726596729"/>
       </p:ext>
     </p:extLst>
   </p:cSld>
   <p:clrMapOvr>
     <a:masterClrMapping/>
   </p:clrMapOvr>
+  <p:timing>
+    <p:tnLst>
+      <p:par>
+        <p:cTn id="1" dur="indefinite" restart="never" nodeType="tmRoot"/>
+      </p:par>
+    </p:tnLst>
+  </p:timing>
 </p:sld>
 </file>
 
@@ -4487,13 +5639,7 @@
       </p:grpSpPr>
       <p:sp>
         <p:nvSpPr>
-          <p:cNvPr id="2" name="Title 1">
-            <a:extLst>
-              <a:ext uri="{FF2B5EF4-FFF2-40B4-BE49-F238E27FC236}">
-                <a16:creationId xmlns:a16="http://schemas.microsoft.com/office/drawing/2014/main" id="{31EAED21-1372-4F58-913F-1CC3F78BDBC7}"/>
-              </a:ext>
-            </a:extLst>
-          </p:cNvPr>
+          <p:cNvPr id="2" name="Title 1"/>
           <p:cNvSpPr>
             <a:spLocks noGrp="1"/>
           </p:cNvSpPr>
@@ -4506,82 +5652,47 @@
           <a:bodyPr/>
           <a:lstStyle/>
           <a:p>
-            <a:r>
-              <a:rPr lang="en-US" dirty="0"/>
-              <a:t>Sudoku</a:t>
-            </a:r>
-          </a:p>
-        </p:txBody>
-      </p:sp>
-      <p:sp>
-        <p:nvSpPr>
-          <p:cNvPr id="4" name="Content Placeholder 3">
-            <a:extLst>
-              <a:ext uri="{FF2B5EF4-FFF2-40B4-BE49-F238E27FC236}">
-                <a16:creationId xmlns:a16="http://schemas.microsoft.com/office/drawing/2014/main" id="{37ED8D51-23AB-497C-9744-BC6AAE632FBB}"/>
-              </a:ext>
-            </a:extLst>
-          </p:cNvPr>
-          <p:cNvSpPr>
-            <a:spLocks noGrp="1"/>
-          </p:cNvSpPr>
-          <p:nvPr>
-            <p:ph sz="half" idx="2"/>
-          </p:nvPr>
-        </p:nvSpPr>
-        <p:spPr/>
-        <p:txBody>
-          <a:bodyPr/>
-          <a:lstStyle/>
-          <a:p>
-            <a:r>
-              <a:rPr lang="en-US" dirty="0"/>
-              <a:t>Where only one possible value remains, set as fixed</a:t>
-            </a:r>
-          </a:p>
-          <a:p>
-            <a:r>
-              <a:rPr lang="en-US" dirty="0"/>
-              <a:t>Solution space is reduced again</a:t>
-            </a:r>
-          </a:p>
-          <a:p>
-            <a:r>
-              <a:rPr lang="en-US" dirty="0"/>
-              <a:t>Continue with Iterative process</a:t>
-            </a:r>
-          </a:p>
-          <a:p>
-            <a:endParaRPr lang="en-US" dirty="0"/>
+            <a:endParaRPr lang="de-CH"/>
+          </a:p>
+        </p:txBody>
+      </p:sp>
+      <p:sp>
+        <p:nvSpPr>
+          <p:cNvPr id="3" name="Content Placeholder 2"/>
+          <p:cNvSpPr>
+            <a:spLocks noGrp="1"/>
+          </p:cNvSpPr>
+          <p:nvPr>
+            <p:ph idx="1"/>
+          </p:nvPr>
+        </p:nvSpPr>
+        <p:spPr/>
+        <p:txBody>
+          <a:bodyPr/>
+          <a:lstStyle/>
+          <a:p>
+            <a:endParaRPr lang="de-CH" dirty="0"/>
           </a:p>
         </p:txBody>
       </p:sp>
       <p:pic>
         <p:nvPicPr>
-          <p:cNvPr id="14" name="Content Placeholder 13">
-            <a:extLst>
-              <a:ext uri="{FF2B5EF4-FFF2-40B4-BE49-F238E27FC236}">
-                <a16:creationId xmlns:a16="http://schemas.microsoft.com/office/drawing/2014/main" id="{13E36F23-5D5F-43C1-85C8-08A48F558E41}"/>
-              </a:ext>
-            </a:extLst>
-          </p:cNvPr>
+          <p:cNvPr id="4" name="Picture 3"/>
           <p:cNvPicPr>
-            <a:picLocks noGrp="1" noChangeAspect="1"/>
+            <a:picLocks noChangeAspect="1"/>
           </p:cNvPicPr>
-          <p:nvPr>
-            <p:ph sz="half" idx="1"/>
-          </p:nvPr>
+          <p:nvPr/>
         </p:nvPicPr>
         <p:blipFill>
-          <a:blip r:embed="rId2"/>
+          <a:blip r:embed="rId3"/>
           <a:stretch>
             <a:fillRect/>
           </a:stretch>
         </p:blipFill>
         <p:spPr>
           <a:xfrm>
-            <a:off x="1743537" y="1825625"/>
-            <a:ext cx="3370925" cy="4351338"/>
+            <a:off x="3605489" y="365125"/>
+            <a:ext cx="4981021" cy="6300000"/>
           </a:xfrm>
           <a:prstGeom prst="rect">
             <a:avLst/>
@@ -4591,13 +5702,20 @@
     </p:spTree>
     <p:extLst>
       <p:ext uri="{BB962C8B-B14F-4D97-AF65-F5344CB8AC3E}">
-        <p14:creationId xmlns:p14="http://schemas.microsoft.com/office/powerpoint/2010/main" val="1894939286"/>
+        <p14:creationId xmlns:p14="http://schemas.microsoft.com/office/powerpoint/2010/main" val="1326556473"/>
       </p:ext>
     </p:extLst>
   </p:cSld>
   <p:clrMapOvr>
     <a:masterClrMapping/>
   </p:clrMapOvr>
+  <p:timing>
+    <p:tnLst>
+      <p:par>
+        <p:cTn id="1" dur="indefinite" restart="never" nodeType="tmRoot"/>
+      </p:par>
+    </p:tnLst>
+  </p:timing>
 </p:sld>
 </file>
 
@@ -4620,10 +5738,10 @@
       </p:grpSpPr>
       <p:sp>
         <p:nvSpPr>
-          <p:cNvPr id="2" name="Title 1">
+          <p:cNvPr id="9" name="Title 8">
             <a:extLst>
               <a:ext uri="{FF2B5EF4-FFF2-40B4-BE49-F238E27FC236}">
-                <a16:creationId xmlns:a16="http://schemas.microsoft.com/office/drawing/2014/main" id="{4DBB2C5A-32B2-404B-896B-37B2B14FDCFB}"/>
+                <a16:creationId xmlns:a16="http://schemas.microsoft.com/office/drawing/2014/main" id="{3CDF443D-CD6D-4FE7-BB97-71B42D05BE9E}"/>
               </a:ext>
             </a:extLst>
           </p:cNvPr>
@@ -4639,83 +5757,223 @@
           <a:bodyPr/>
           <a:lstStyle/>
           <a:p>
-            <a:r>
-              <a:rPr lang="en-US" dirty="0"/>
-              <a:t>Sudoku</a:t>
-            </a:r>
+            <a:endParaRPr lang="en-US"/>
           </a:p>
         </p:txBody>
       </p:sp>
       <p:pic>
         <p:nvPicPr>
-          <p:cNvPr id="5" name="Content Placeholder 4">
-            <a:extLst>
-              <a:ext uri="{FF2B5EF4-FFF2-40B4-BE49-F238E27FC236}">
-                <a16:creationId xmlns:a16="http://schemas.microsoft.com/office/drawing/2014/main" id="{650F2501-11A9-4866-B7DB-0B913B785691}"/>
-              </a:ext>
-            </a:extLst>
-          </p:cNvPr>
+          <p:cNvPr id="3" name="Picture 2"/>
           <p:cNvPicPr>
-            <a:picLocks noGrp="1" noChangeAspect="1"/>
+            <a:picLocks noChangeAspect="1"/>
           </p:cNvPicPr>
-          <p:nvPr>
-            <p:ph sz="half" idx="1"/>
-          </p:nvPr>
+          <p:nvPr/>
         </p:nvPicPr>
         <p:blipFill>
-          <a:blip r:embed="rId2"/>
+          <a:blip r:embed="rId3"/>
           <a:stretch>
             <a:fillRect/>
           </a:stretch>
         </p:blipFill>
         <p:spPr>
           <a:xfrm>
-            <a:off x="1966912" y="2072481"/>
-            <a:ext cx="2924175" cy="3857625"/>
+            <a:off x="3608170" y="365125"/>
+            <a:ext cx="4975660" cy="6300000"/>
           </a:xfrm>
           <a:prstGeom prst="rect">
             <a:avLst/>
           </a:prstGeom>
         </p:spPr>
       </p:pic>
-      <p:sp>
-        <p:nvSpPr>
-          <p:cNvPr id="4" name="Content Placeholder 3">
-            <a:extLst>
-              <a:ext uri="{FF2B5EF4-FFF2-40B4-BE49-F238E27FC236}">
-                <a16:creationId xmlns:a16="http://schemas.microsoft.com/office/drawing/2014/main" id="{0995356E-F940-47AF-B933-F0A5CF83C713}"/>
-              </a:ext>
-            </a:extLst>
-          </p:cNvPr>
-          <p:cNvSpPr>
-            <a:spLocks noGrp="1"/>
-          </p:cNvSpPr>
-          <p:nvPr>
-            <p:ph sz="half" idx="2"/>
-          </p:nvPr>
-        </p:nvSpPr>
-        <p:spPr/>
-        <p:txBody>
-          <a:bodyPr/>
-          <a:lstStyle/>
-          <a:p>
-            <a:r>
-              <a:rPr lang="en-US" dirty="0"/>
-              <a:t>At the end: only one possible solution</a:t>
-            </a:r>
-          </a:p>
-        </p:txBody>
-      </p:sp>
     </p:spTree>
     <p:extLst>
       <p:ext uri="{BB962C8B-B14F-4D97-AF65-F5344CB8AC3E}">
-        <p14:creationId xmlns:p14="http://schemas.microsoft.com/office/powerpoint/2010/main" val="1877981926"/>
+        <p14:creationId xmlns:p14="http://schemas.microsoft.com/office/powerpoint/2010/main" val="1995535077"/>
       </p:ext>
     </p:extLst>
   </p:cSld>
   <p:clrMapOvr>
     <a:masterClrMapping/>
   </p:clrMapOvr>
+  <p:timing>
+    <p:tnLst>
+      <p:par>
+        <p:cTn id="1" dur="indefinite" restart="never" nodeType="tmRoot"/>
+      </p:par>
+    </p:tnLst>
+  </p:timing>
+</p:sld>
+</file>
+
+<file path=ppt/slides/slide7.xml><?xml version="1.0" encoding="utf-8"?>
+<p:sld xmlns:a="http://schemas.openxmlformats.org/drawingml/2006/main" xmlns:r="http://schemas.openxmlformats.org/officeDocument/2006/relationships" xmlns:p="http://schemas.openxmlformats.org/presentationml/2006/main">
+  <p:cSld>
+    <p:spTree>
+      <p:nvGrpSpPr>
+        <p:cNvPr id="1" name=""/>
+        <p:cNvGrpSpPr/>
+        <p:nvPr/>
+      </p:nvGrpSpPr>
+      <p:grpSpPr>
+        <a:xfrm>
+          <a:off x="0" y="0"/>
+          <a:ext cx="0" cy="0"/>
+          <a:chOff x="0" y="0"/>
+          <a:chExt cx="0" cy="0"/>
+        </a:xfrm>
+      </p:grpSpPr>
+      <p:sp>
+        <p:nvSpPr>
+          <p:cNvPr id="9" name="Title 8">
+            <a:extLst>
+              <a:ext uri="{FF2B5EF4-FFF2-40B4-BE49-F238E27FC236}">
+                <a16:creationId xmlns:a16="http://schemas.microsoft.com/office/drawing/2014/main" id="{3CDF443D-CD6D-4FE7-BB97-71B42D05BE9E}"/>
+              </a:ext>
+            </a:extLst>
+          </p:cNvPr>
+          <p:cNvSpPr>
+            <a:spLocks noGrp="1"/>
+          </p:cNvSpPr>
+          <p:nvPr>
+            <p:ph type="title"/>
+          </p:nvPr>
+        </p:nvSpPr>
+        <p:spPr/>
+        <p:txBody>
+          <a:bodyPr/>
+          <a:lstStyle/>
+          <a:p>
+            <a:endParaRPr lang="en-US"/>
+          </a:p>
+        </p:txBody>
+      </p:sp>
+      <p:pic>
+        <p:nvPicPr>
+          <p:cNvPr id="2" name="Picture 1"/>
+          <p:cNvPicPr>
+            <a:picLocks noChangeAspect="1"/>
+          </p:cNvPicPr>
+          <p:nvPr/>
+        </p:nvPicPr>
+        <p:blipFill>
+          <a:blip r:embed="rId3"/>
+          <a:stretch>
+            <a:fillRect/>
+          </a:stretch>
+        </p:blipFill>
+        <p:spPr>
+          <a:xfrm>
+            <a:off x="3609721" y="350495"/>
+            <a:ext cx="4972557" cy="6300000"/>
+          </a:xfrm>
+          <a:prstGeom prst="rect">
+            <a:avLst/>
+          </a:prstGeom>
+        </p:spPr>
+      </p:pic>
+    </p:spTree>
+    <p:extLst>
+      <p:ext uri="{BB962C8B-B14F-4D97-AF65-F5344CB8AC3E}">
+        <p14:creationId xmlns:p14="http://schemas.microsoft.com/office/powerpoint/2010/main" val="2484160042"/>
+      </p:ext>
+    </p:extLst>
+  </p:cSld>
+  <p:clrMapOvr>
+    <a:masterClrMapping/>
+  </p:clrMapOvr>
+  <p:timing>
+    <p:tnLst>
+      <p:par>
+        <p:cTn id="1" dur="indefinite" restart="never" nodeType="tmRoot"/>
+      </p:par>
+    </p:tnLst>
+  </p:timing>
+</p:sld>
+</file>
+
+<file path=ppt/slides/slide8.xml><?xml version="1.0" encoding="utf-8"?>
+<p:sld xmlns:a="http://schemas.openxmlformats.org/drawingml/2006/main" xmlns:r="http://schemas.openxmlformats.org/officeDocument/2006/relationships" xmlns:p="http://schemas.openxmlformats.org/presentationml/2006/main">
+  <p:cSld>
+    <p:spTree>
+      <p:nvGrpSpPr>
+        <p:cNvPr id="1" name=""/>
+        <p:cNvGrpSpPr/>
+        <p:nvPr/>
+      </p:nvGrpSpPr>
+      <p:grpSpPr>
+        <a:xfrm>
+          <a:off x="0" y="0"/>
+          <a:ext cx="0" cy="0"/>
+          <a:chOff x="0" y="0"/>
+          <a:chExt cx="0" cy="0"/>
+        </a:xfrm>
+      </p:grpSpPr>
+      <p:sp>
+        <p:nvSpPr>
+          <p:cNvPr id="2" name="Title 1">
+            <a:extLst>
+              <a:ext uri="{FF2B5EF4-FFF2-40B4-BE49-F238E27FC236}">
+                <a16:creationId xmlns:a16="http://schemas.microsoft.com/office/drawing/2014/main" id="{892D4C0E-20D6-40CB-8890-B7D6A8E150F2}"/>
+              </a:ext>
+            </a:extLst>
+          </p:cNvPr>
+          <p:cNvSpPr>
+            <a:spLocks noGrp="1"/>
+          </p:cNvSpPr>
+          <p:nvPr>
+            <p:ph type="title"/>
+          </p:nvPr>
+        </p:nvSpPr>
+        <p:spPr/>
+        <p:txBody>
+          <a:bodyPr/>
+          <a:lstStyle/>
+          <a:p>
+            <a:endParaRPr lang="en-US" dirty="0"/>
+          </a:p>
+        </p:txBody>
+      </p:sp>
+      <p:pic>
+        <p:nvPicPr>
+          <p:cNvPr id="4" name="Picture 3"/>
+          <p:cNvPicPr>
+            <a:picLocks noChangeAspect="1"/>
+          </p:cNvPicPr>
+          <p:nvPr/>
+        </p:nvPicPr>
+        <p:blipFill>
+          <a:blip r:embed="rId3"/>
+          <a:stretch>
+            <a:fillRect/>
+          </a:stretch>
+        </p:blipFill>
+        <p:spPr>
+          <a:xfrm>
+            <a:off x="3643312" y="0"/>
+            <a:ext cx="4905375" cy="6619875"/>
+          </a:xfrm>
+          <a:prstGeom prst="rect">
+            <a:avLst/>
+          </a:prstGeom>
+        </p:spPr>
+      </p:pic>
+    </p:spTree>
+    <p:extLst>
+      <p:ext uri="{BB962C8B-B14F-4D97-AF65-F5344CB8AC3E}">
+        <p14:creationId xmlns:p14="http://schemas.microsoft.com/office/powerpoint/2010/main" val="672686397"/>
+      </p:ext>
+    </p:extLst>
+  </p:cSld>
+  <p:clrMapOvr>
+    <a:masterClrMapping/>
+  </p:clrMapOvr>
+  <p:timing>
+    <p:tnLst>
+      <p:par>
+        <p:cTn id="1" dur="indefinite" restart="never" nodeType="tmRoot"/>
+      </p:par>
+    </p:tnLst>
+  </p:timing>
 </p:sld>
 </file>
 
@@ -4725,7 +5983,7 @@
   <p:tag name="VARPPTTYPE" val="RXP"/>
   <p:tag name="VARPPTSLIDEFORMAT" val="RXP"/>
   <p:tag name="VARPPTCOMPATIBLE4" val="RXP"/>
-  <p:tag name="VARSAVEMESSAGETIMESTAMP" val="RXP08.08.2020"/>
+  <p:tag name="VARSAVEMESSAGETIMESTAMP" val="RXP14.08.2020"/>
 </p:tagLst>
 </file>
 
@@ -5320,21 +6578,6 @@
 </file>
 
 <file path=customXml/item1.xml><?xml version="1.0" encoding="utf-8"?>
-<p:properties xmlns:p="http://schemas.microsoft.com/office/2006/metadata/properties" xmlns:xsi="http://www.w3.org/2001/XMLSchema-instance" xmlns:pc="http://schemas.microsoft.com/office/infopath/2007/PartnerControls">
-  <documentManagement/>
-</p:properties>
-</file>
-
-<file path=customXml/item2.xml><?xml version="1.0" encoding="utf-8"?>
-<?mso-contentType ?>
-<FormTemplates xmlns="http://schemas.microsoft.com/sharepoint/v3/contenttype/forms">
-  <Display>DocumentLibraryForm</Display>
-  <Edit>DocumentLibraryForm</Edit>
-  <New>DocumentLibraryForm</New>
-</FormTemplates>
-</file>
-
-<file path=customXml/item3.xml><?xml version="1.0" encoding="utf-8"?>
 <ct:contentTypeSchema xmlns:ct="http://schemas.microsoft.com/office/2006/metadata/contentType" xmlns:ma="http://schemas.microsoft.com/office/2006/metadata/properties/metaAttributes" ct:_="" ma:_="" ma:contentTypeName="Document" ma:contentTypeID="0x0101000F6FFB395036EA4FB27B90760180F374" ma:contentTypeVersion="5" ma:contentTypeDescription="Create a new document." ma:contentTypeScope="" ma:versionID="89adfb9efadbf748812d0fd82d255fdf">
   <xsd:schema xmlns:xsd="http://www.w3.org/2001/XMLSchema" xmlns:xs="http://www.w3.org/2001/XMLSchema" xmlns:p="http://schemas.microsoft.com/office/2006/metadata/properties" xmlns:ns3="426f9cb1-a1b3-4522-97ef-5888e8165ba9" xmlns:ns4="a4183c9b-620e-45ce-881a-bd39c0098272" targetNamespace="http://schemas.microsoft.com/office/2006/metadata/properties" ma:root="true" ma:fieldsID="39a46d376aab74118e796ae11b0810ee" ns3:_="" ns4:_="">
     <xsd:import namespace="426f9cb1-a1b3-4522-97ef-5888e8165ba9"/>
@@ -5505,32 +6748,22 @@
 </ct:contentTypeSchema>
 </file>
 
-<file path=customXml/itemProps1.xml><?xml version="1.0" encoding="utf-8"?>
-<ds:datastoreItem xmlns:ds="http://schemas.openxmlformats.org/officeDocument/2006/customXml" ds:itemID="{5B0BB613-487B-4F73-A790-3CC801D0D51E}">
-  <ds:schemaRefs>
-    <ds:schemaRef ds:uri="http://purl.org/dc/terms/"/>
-    <ds:schemaRef ds:uri="http://schemas.openxmlformats.org/package/2006/metadata/core-properties"/>
-    <ds:schemaRef ds:uri="http://schemas.microsoft.com/office/2006/documentManagement/types"/>
-    <ds:schemaRef ds:uri="http://schemas.microsoft.com/office/infopath/2007/PartnerControls"/>
-    <ds:schemaRef ds:uri="http://purl.org/dc/elements/1.1/"/>
-    <ds:schemaRef ds:uri="http://schemas.microsoft.com/office/2006/metadata/properties"/>
-    <ds:schemaRef ds:uri="a4183c9b-620e-45ce-881a-bd39c0098272"/>
-    <ds:schemaRef ds:uri="426f9cb1-a1b3-4522-97ef-5888e8165ba9"/>
-    <ds:schemaRef ds:uri="http://www.w3.org/XML/1998/namespace"/>
-    <ds:schemaRef ds:uri="http://purl.org/dc/dcmitype/"/>
-  </ds:schemaRefs>
-</ds:datastoreItem>
+<file path=customXml/item2.xml><?xml version="1.0" encoding="utf-8"?>
+<?mso-contentType ?>
+<FormTemplates xmlns="http://schemas.microsoft.com/sharepoint/v3/contenttype/forms">
+  <Display>DocumentLibraryForm</Display>
+  <Edit>DocumentLibraryForm</Edit>
+  <New>DocumentLibraryForm</New>
+</FormTemplates>
 </file>
 
-<file path=customXml/itemProps2.xml><?xml version="1.0" encoding="utf-8"?>
-<ds:datastoreItem xmlns:ds="http://schemas.openxmlformats.org/officeDocument/2006/customXml" ds:itemID="{CE79B26C-C003-47DB-A5E9-06E25B6F8D46}">
-  <ds:schemaRefs>
-    <ds:schemaRef ds:uri="http://schemas.microsoft.com/sharepoint/v3/contenttype/forms"/>
-  </ds:schemaRefs>
-</ds:datastoreItem>
+<file path=customXml/item3.xml><?xml version="1.0" encoding="utf-8"?>
+<p:properties xmlns:p="http://schemas.microsoft.com/office/2006/metadata/properties" xmlns:xsi="http://www.w3.org/2001/XMLSchema-instance" xmlns:pc="http://schemas.microsoft.com/office/infopath/2007/PartnerControls">
+  <documentManagement/>
+</p:properties>
 </file>
 
-<file path=customXml/itemProps3.xml><?xml version="1.0" encoding="utf-8"?>
+<file path=customXml/itemProps1.xml><?xml version="1.0" encoding="utf-8"?>
 <ds:datastoreItem xmlns:ds="http://schemas.openxmlformats.org/officeDocument/2006/customXml" ds:itemID="{6AD26351-69F1-4761-A1B6-AED5495DFDD9}">
   <ds:schemaRefs>
     <ds:schemaRef ds:uri="http://schemas.microsoft.com/office/2006/metadata/contentType"/>
@@ -5547,4 +6780,29 @@
     <ds:schemaRef ds:uri="http://schemas.microsoft.com/internal/obd"/>
   </ds:schemaRefs>
 </ds:datastoreItem>
+</file>
+
+<file path=customXml/itemProps2.xml><?xml version="1.0" encoding="utf-8"?>
+<ds:datastoreItem xmlns:ds="http://schemas.openxmlformats.org/officeDocument/2006/customXml" ds:itemID="{CE79B26C-C003-47DB-A5E9-06E25B6F8D46}">
+  <ds:schemaRefs>
+    <ds:schemaRef ds:uri="http://schemas.microsoft.com/sharepoint/v3/contenttype/forms"/>
+  </ds:schemaRefs>
+</ds:datastoreItem>
+</file>
+
+<file path=customXml/itemProps3.xml><?xml version="1.0" encoding="utf-8"?>
+<ds:datastoreItem xmlns:ds="http://schemas.openxmlformats.org/officeDocument/2006/customXml" ds:itemID="{5B0BB613-487B-4F73-A790-3CC801D0D51E}">
+  <ds:schemaRefs>
+    <ds:schemaRef ds:uri="http://purl.org/dc/terms/"/>
+    <ds:schemaRef ds:uri="http://schemas.openxmlformats.org/package/2006/metadata/core-properties"/>
+    <ds:schemaRef ds:uri="http://schemas.microsoft.com/office/2006/documentManagement/types"/>
+    <ds:schemaRef ds:uri="http://schemas.microsoft.com/office/infopath/2007/PartnerControls"/>
+    <ds:schemaRef ds:uri="http://purl.org/dc/elements/1.1/"/>
+    <ds:schemaRef ds:uri="http://schemas.microsoft.com/office/2006/metadata/properties"/>
+    <ds:schemaRef ds:uri="a4183c9b-620e-45ce-881a-bd39c0098272"/>
+    <ds:schemaRef ds:uri="426f9cb1-a1b3-4522-97ef-5888e8165ba9"/>
+    <ds:schemaRef ds:uri="http://www.w3.org/XML/1998/namespace"/>
+    <ds:schemaRef ds:uri="http://purl.org/dc/dcmitype/"/>
+  </ds:schemaRefs>
+</ds:datastoreItem>
 </file>